--- a/anderson_matt_cv_short.pptx
+++ b/anderson_matt_cv_short.pptx
@@ -4,6 +4,12 @@
   <p:sldMasterIdLst>
     <p:sldMasterId id="2147483672" r:id="rId1"/>
   </p:sldMasterIdLst>
+  <p:notesMasterIdLst>
+    <p:notesMasterId r:id="rId3"/>
+  </p:notesMasterIdLst>
+  <p:handoutMasterIdLst>
+    <p:handoutMasterId r:id="rId4"/>
+  </p:handoutMasterIdLst>
   <p:sldIdLst>
     <p:sldId id="256" r:id="rId2"/>
   </p:sldIdLst>
@@ -112,6 +118,545 @@
 </p:presentation>
 </file>
 
+<file path=ppt/handoutMasters/handoutMaster1.xml><?xml version="1.0" encoding="utf-8"?>
+<p:handoutMaster xmlns:a="http://schemas.openxmlformats.org/drawingml/2006/main" xmlns:r="http://schemas.openxmlformats.org/officeDocument/2006/relationships" xmlns:p="http://schemas.openxmlformats.org/presentationml/2006/main">
+  <p:cSld>
+    <p:bg>
+      <p:bgRef idx="1001">
+        <a:schemeClr val="bg1"/>
+      </p:bgRef>
+    </p:bg>
+    <p:spTree>
+      <p:nvGrpSpPr>
+        <p:cNvPr id="1" name=""/>
+        <p:cNvGrpSpPr/>
+        <p:nvPr/>
+      </p:nvGrpSpPr>
+      <p:grpSpPr>
+        <a:xfrm>
+          <a:off x="0" y="0"/>
+          <a:ext cx="0" cy="0"/>
+          <a:chOff x="0" y="0"/>
+          <a:chExt cx="0" cy="0"/>
+        </a:xfrm>
+      </p:grpSpPr>
+      <p:sp>
+        <p:nvSpPr>
+          <p:cNvPr id="2" name="Header Placeholder 1">
+            <a:extLst>
+              <a:ext uri="{FF2B5EF4-FFF2-40B4-BE49-F238E27FC236}">
+                <a16:creationId xmlns:a16="http://schemas.microsoft.com/office/drawing/2014/main" id="{61D12F95-9B84-F7C4-A414-1FC6442065EA}"/>
+              </a:ext>
+            </a:extLst>
+          </p:cNvPr>
+          <p:cNvSpPr>
+            <a:spLocks noGrp="1"/>
+          </p:cNvSpPr>
+          <p:nvPr>
+            <p:ph type="hdr" sz="quarter"/>
+          </p:nvPr>
+        </p:nvSpPr>
+        <p:spPr>
+          <a:xfrm>
+            <a:off x="0" y="0"/>
+            <a:ext cx="2971800" cy="458788"/>
+          </a:xfrm>
+          <a:prstGeom prst="rect">
+            <a:avLst/>
+          </a:prstGeom>
+        </p:spPr>
+        <p:txBody>
+          <a:bodyPr vert="horz" lIns="91440" tIns="45720" rIns="91440" bIns="45720" rtlCol="0"/>
+          <a:lstStyle>
+            <a:lvl1pPr algn="l">
+              <a:defRPr sz="1200"/>
+            </a:lvl1pPr>
+          </a:lstStyle>
+          <a:p>
+            <a:endParaRPr lang="en-AU"/>
+          </a:p>
+        </p:txBody>
+      </p:sp>
+      <p:sp>
+        <p:nvSpPr>
+          <p:cNvPr id="3" name="Date Placeholder 2">
+            <a:extLst>
+              <a:ext uri="{FF2B5EF4-FFF2-40B4-BE49-F238E27FC236}">
+                <a16:creationId xmlns:a16="http://schemas.microsoft.com/office/drawing/2014/main" id="{5FA107D1-9B70-6F25-3230-CE35633A891C}"/>
+              </a:ext>
+            </a:extLst>
+          </p:cNvPr>
+          <p:cNvSpPr>
+            <a:spLocks noGrp="1"/>
+          </p:cNvSpPr>
+          <p:nvPr>
+            <p:ph type="dt" sz="quarter" idx="1"/>
+          </p:nvPr>
+        </p:nvSpPr>
+        <p:spPr>
+          <a:xfrm>
+            <a:off x="3884613" y="0"/>
+            <a:ext cx="2971800" cy="458788"/>
+          </a:xfrm>
+          <a:prstGeom prst="rect">
+            <a:avLst/>
+          </a:prstGeom>
+        </p:spPr>
+        <p:txBody>
+          <a:bodyPr vert="horz" lIns="91440" tIns="45720" rIns="91440" bIns="45720" rtlCol="0"/>
+          <a:lstStyle>
+            <a:lvl1pPr algn="r">
+              <a:defRPr sz="1200"/>
+            </a:lvl1pPr>
+          </a:lstStyle>
+          <a:p>
+            <a:fld id="{0BEDA7E5-5C05-47E9-86EC-8BF4B7F189B2}" type="datetimeFigureOut">
+              <a:rPr lang="en-AU" smtClean="0"/>
+              <a:t>10/05/2025</a:t>
+            </a:fld>
+            <a:endParaRPr lang="en-AU"/>
+          </a:p>
+        </p:txBody>
+      </p:sp>
+      <p:sp>
+        <p:nvSpPr>
+          <p:cNvPr id="4" name="Footer Placeholder 3">
+            <a:extLst>
+              <a:ext uri="{FF2B5EF4-FFF2-40B4-BE49-F238E27FC236}">
+                <a16:creationId xmlns:a16="http://schemas.microsoft.com/office/drawing/2014/main" id="{5F5F2D0D-D67D-832A-9B70-60C6EC76954B}"/>
+              </a:ext>
+            </a:extLst>
+          </p:cNvPr>
+          <p:cNvSpPr>
+            <a:spLocks noGrp="1"/>
+          </p:cNvSpPr>
+          <p:nvPr>
+            <p:ph type="ftr" sz="quarter" idx="2"/>
+          </p:nvPr>
+        </p:nvSpPr>
+        <p:spPr>
+          <a:xfrm>
+            <a:off x="0" y="8685213"/>
+            <a:ext cx="2971800" cy="458787"/>
+          </a:xfrm>
+          <a:prstGeom prst="rect">
+            <a:avLst/>
+          </a:prstGeom>
+        </p:spPr>
+        <p:txBody>
+          <a:bodyPr vert="horz" lIns="91440" tIns="45720" rIns="91440" bIns="45720" rtlCol="0" anchor="b"/>
+          <a:lstStyle>
+            <a:lvl1pPr algn="l">
+              <a:defRPr sz="1200"/>
+            </a:lvl1pPr>
+          </a:lstStyle>
+          <a:p>
+            <a:endParaRPr lang="en-AU"/>
+          </a:p>
+        </p:txBody>
+      </p:sp>
+      <p:sp>
+        <p:nvSpPr>
+          <p:cNvPr id="5" name="Slide Number Placeholder 4">
+            <a:extLst>
+              <a:ext uri="{FF2B5EF4-FFF2-40B4-BE49-F238E27FC236}">
+                <a16:creationId xmlns:a16="http://schemas.microsoft.com/office/drawing/2014/main" id="{58B99CD6-32E1-F551-8804-E3560CC79670}"/>
+              </a:ext>
+            </a:extLst>
+          </p:cNvPr>
+          <p:cNvSpPr>
+            <a:spLocks noGrp="1"/>
+          </p:cNvSpPr>
+          <p:nvPr>
+            <p:ph type="sldNum" sz="quarter" idx="3"/>
+          </p:nvPr>
+        </p:nvSpPr>
+        <p:spPr>
+          <a:xfrm>
+            <a:off x="3884613" y="8685213"/>
+            <a:ext cx="2971800" cy="458787"/>
+          </a:xfrm>
+          <a:prstGeom prst="rect">
+            <a:avLst/>
+          </a:prstGeom>
+        </p:spPr>
+        <p:txBody>
+          <a:bodyPr vert="horz" lIns="91440" tIns="45720" rIns="91440" bIns="45720" rtlCol="0" anchor="b"/>
+          <a:lstStyle>
+            <a:lvl1pPr algn="r">
+              <a:defRPr sz="1200"/>
+            </a:lvl1pPr>
+          </a:lstStyle>
+          <a:p>
+            <a:fld id="{CC01DB8A-EDBC-413B-948F-4C9672E3368C}" type="slidenum">
+              <a:rPr lang="en-AU" smtClean="0"/>
+              <a:t>‹#›</a:t>
+            </a:fld>
+            <a:endParaRPr lang="en-AU"/>
+          </a:p>
+        </p:txBody>
+      </p:sp>
+    </p:spTree>
+    <p:extLst>
+      <p:ext uri="{BB962C8B-B14F-4D97-AF65-F5344CB8AC3E}">
+        <p14:creationId xmlns:p14="http://schemas.microsoft.com/office/powerpoint/2010/main" val="26339914"/>
+      </p:ext>
+    </p:extLst>
+  </p:cSld>
+  <p:clrMap bg1="lt1" tx1="dk1" bg2="lt2" tx2="dk2" accent1="accent1" accent2="accent2" accent3="accent3" accent4="accent4" accent5="accent5" accent6="accent6" hlink="hlink" folHlink="folHlink"/>
+</p:handoutMaster>
+</file>
+
+<file path=ppt/notesMasters/notesMaster1.xml><?xml version="1.0" encoding="utf-8"?>
+<p:notesMaster xmlns:a="http://schemas.openxmlformats.org/drawingml/2006/main" xmlns:r="http://schemas.openxmlformats.org/officeDocument/2006/relationships" xmlns:p="http://schemas.openxmlformats.org/presentationml/2006/main">
+  <p:cSld>
+    <p:bg>
+      <p:bgRef idx="1001">
+        <a:schemeClr val="bg1"/>
+      </p:bgRef>
+    </p:bg>
+    <p:spTree>
+      <p:nvGrpSpPr>
+        <p:cNvPr id="1" name=""/>
+        <p:cNvGrpSpPr/>
+        <p:nvPr/>
+      </p:nvGrpSpPr>
+      <p:grpSpPr>
+        <a:xfrm>
+          <a:off x="0" y="0"/>
+          <a:ext cx="0" cy="0"/>
+          <a:chOff x="0" y="0"/>
+          <a:chExt cx="0" cy="0"/>
+        </a:xfrm>
+      </p:grpSpPr>
+      <p:sp>
+        <p:nvSpPr>
+          <p:cNvPr id="2" name="Header Placeholder 1"/>
+          <p:cNvSpPr>
+            <a:spLocks noGrp="1"/>
+          </p:cNvSpPr>
+          <p:nvPr>
+            <p:ph type="hdr" sz="quarter"/>
+          </p:nvPr>
+        </p:nvSpPr>
+        <p:spPr>
+          <a:xfrm>
+            <a:off x="0" y="0"/>
+            <a:ext cx="2971800" cy="458788"/>
+          </a:xfrm>
+          <a:prstGeom prst="rect">
+            <a:avLst/>
+          </a:prstGeom>
+        </p:spPr>
+        <p:txBody>
+          <a:bodyPr vert="horz" lIns="91440" tIns="45720" rIns="91440" bIns="45720" rtlCol="0"/>
+          <a:lstStyle>
+            <a:lvl1pPr algn="l">
+              <a:defRPr sz="1200"/>
+            </a:lvl1pPr>
+          </a:lstStyle>
+          <a:p>
+            <a:endParaRPr lang="en-AU"/>
+          </a:p>
+        </p:txBody>
+      </p:sp>
+      <p:sp>
+        <p:nvSpPr>
+          <p:cNvPr id="3" name="Date Placeholder 2"/>
+          <p:cNvSpPr>
+            <a:spLocks noGrp="1"/>
+          </p:cNvSpPr>
+          <p:nvPr>
+            <p:ph type="dt" idx="1"/>
+          </p:nvPr>
+        </p:nvSpPr>
+        <p:spPr>
+          <a:xfrm>
+            <a:off x="3884613" y="0"/>
+            <a:ext cx="2971800" cy="458788"/>
+          </a:xfrm>
+          <a:prstGeom prst="rect">
+            <a:avLst/>
+          </a:prstGeom>
+        </p:spPr>
+        <p:txBody>
+          <a:bodyPr vert="horz" lIns="91440" tIns="45720" rIns="91440" bIns="45720" rtlCol="0"/>
+          <a:lstStyle>
+            <a:lvl1pPr algn="r">
+              <a:defRPr sz="1200"/>
+            </a:lvl1pPr>
+          </a:lstStyle>
+          <a:p>
+            <a:fld id="{6FF14064-411F-4F54-8CB7-FBD89A67A19D}" type="datetimeFigureOut">
+              <a:rPr lang="en-AU" smtClean="0"/>
+              <a:t>10/05/2025</a:t>
+            </a:fld>
+            <a:endParaRPr lang="en-AU"/>
+          </a:p>
+        </p:txBody>
+      </p:sp>
+      <p:sp>
+        <p:nvSpPr>
+          <p:cNvPr id="4" name="Slide Image Placeholder 3"/>
+          <p:cNvSpPr>
+            <a:spLocks noGrp="1" noRot="1" noChangeAspect="1"/>
+          </p:cNvSpPr>
+          <p:nvPr>
+            <p:ph type="sldImg" idx="2"/>
+          </p:nvPr>
+        </p:nvSpPr>
+        <p:spPr>
+          <a:xfrm>
+            <a:off x="2271713" y="1143000"/>
+            <a:ext cx="2314575" cy="3086100"/>
+          </a:xfrm>
+          <a:prstGeom prst="rect">
+            <a:avLst/>
+          </a:prstGeom>
+          <a:noFill/>
+          <a:ln w="12700">
+            <a:solidFill>
+              <a:prstClr val="black"/>
+            </a:solidFill>
+          </a:ln>
+        </p:spPr>
+        <p:txBody>
+          <a:bodyPr vert="horz" lIns="91440" tIns="45720" rIns="91440" bIns="45720" rtlCol="0" anchor="ctr"/>
+          <a:lstStyle/>
+          <a:p>
+            <a:endParaRPr lang="en-AU"/>
+          </a:p>
+        </p:txBody>
+      </p:sp>
+      <p:sp>
+        <p:nvSpPr>
+          <p:cNvPr id="5" name="Notes Placeholder 4"/>
+          <p:cNvSpPr>
+            <a:spLocks noGrp="1"/>
+          </p:cNvSpPr>
+          <p:nvPr>
+            <p:ph type="body" sz="quarter" idx="3"/>
+          </p:nvPr>
+        </p:nvSpPr>
+        <p:spPr>
+          <a:xfrm>
+            <a:off x="685800" y="4400550"/>
+            <a:ext cx="5486400" cy="3600450"/>
+          </a:xfrm>
+          <a:prstGeom prst="rect">
+            <a:avLst/>
+          </a:prstGeom>
+        </p:spPr>
+        <p:txBody>
+          <a:bodyPr vert="horz" lIns="91440" tIns="45720" rIns="91440" bIns="45720" rtlCol="0"/>
+          <a:lstStyle/>
+          <a:p>
+            <a:pPr lvl="0"/>
+            <a:r>
+              <a:rPr lang="en-US"/>
+              <a:t>Click to edit Master text styles</a:t>
+            </a:r>
+          </a:p>
+          <a:p>
+            <a:pPr lvl="1"/>
+            <a:r>
+              <a:rPr lang="en-US"/>
+              <a:t>Second level</a:t>
+            </a:r>
+          </a:p>
+          <a:p>
+            <a:pPr lvl="2"/>
+            <a:r>
+              <a:rPr lang="en-US"/>
+              <a:t>Third level</a:t>
+            </a:r>
+          </a:p>
+          <a:p>
+            <a:pPr lvl="3"/>
+            <a:r>
+              <a:rPr lang="en-US"/>
+              <a:t>Fourth level</a:t>
+            </a:r>
+          </a:p>
+          <a:p>
+            <a:pPr lvl="4"/>
+            <a:r>
+              <a:rPr lang="en-US"/>
+              <a:t>Fifth level</a:t>
+            </a:r>
+            <a:endParaRPr lang="en-AU"/>
+          </a:p>
+        </p:txBody>
+      </p:sp>
+      <p:sp>
+        <p:nvSpPr>
+          <p:cNvPr id="6" name="Footer Placeholder 5"/>
+          <p:cNvSpPr>
+            <a:spLocks noGrp="1"/>
+          </p:cNvSpPr>
+          <p:nvPr>
+            <p:ph type="ftr" sz="quarter" idx="4"/>
+          </p:nvPr>
+        </p:nvSpPr>
+        <p:spPr>
+          <a:xfrm>
+            <a:off x="0" y="8685213"/>
+            <a:ext cx="2971800" cy="458787"/>
+          </a:xfrm>
+          <a:prstGeom prst="rect">
+            <a:avLst/>
+          </a:prstGeom>
+        </p:spPr>
+        <p:txBody>
+          <a:bodyPr vert="horz" lIns="91440" tIns="45720" rIns="91440" bIns="45720" rtlCol="0" anchor="b"/>
+          <a:lstStyle>
+            <a:lvl1pPr algn="l">
+              <a:defRPr sz="1200"/>
+            </a:lvl1pPr>
+          </a:lstStyle>
+          <a:p>
+            <a:endParaRPr lang="en-AU"/>
+          </a:p>
+        </p:txBody>
+      </p:sp>
+      <p:sp>
+        <p:nvSpPr>
+          <p:cNvPr id="7" name="Slide Number Placeholder 6"/>
+          <p:cNvSpPr>
+            <a:spLocks noGrp="1"/>
+          </p:cNvSpPr>
+          <p:nvPr>
+            <p:ph type="sldNum" sz="quarter" idx="5"/>
+          </p:nvPr>
+        </p:nvSpPr>
+        <p:spPr>
+          <a:xfrm>
+            <a:off x="3884613" y="8685213"/>
+            <a:ext cx="2971800" cy="458787"/>
+          </a:xfrm>
+          <a:prstGeom prst="rect">
+            <a:avLst/>
+          </a:prstGeom>
+        </p:spPr>
+        <p:txBody>
+          <a:bodyPr vert="horz" lIns="91440" tIns="45720" rIns="91440" bIns="45720" rtlCol="0" anchor="b"/>
+          <a:lstStyle>
+            <a:lvl1pPr algn="r">
+              <a:defRPr sz="1200"/>
+            </a:lvl1pPr>
+          </a:lstStyle>
+          <a:p>
+            <a:fld id="{89627A55-322C-4450-B1E3-285CE451EAFF}" type="slidenum">
+              <a:rPr lang="en-AU" smtClean="0"/>
+              <a:t>‹#›</a:t>
+            </a:fld>
+            <a:endParaRPr lang="en-AU"/>
+          </a:p>
+        </p:txBody>
+      </p:sp>
+    </p:spTree>
+    <p:extLst>
+      <p:ext uri="{BB962C8B-B14F-4D97-AF65-F5344CB8AC3E}">
+        <p14:creationId xmlns:p14="http://schemas.microsoft.com/office/powerpoint/2010/main" val="3804141029"/>
+      </p:ext>
+    </p:extLst>
+  </p:cSld>
+  <p:clrMap bg1="lt1" tx1="dk1" bg2="lt2" tx2="dk2" accent1="accent1" accent2="accent2" accent3="accent3" accent4="accent4" accent5="accent5" accent6="accent6" hlink="hlink" folHlink="folHlink"/>
+  <p:notesStyle>
+    <a:lvl1pPr marL="0" algn="l" defTabSz="914400" rtl="0" eaLnBrk="1" latinLnBrk="0" hangingPunct="1">
+      <a:defRPr sz="1200" kern="1200">
+        <a:solidFill>
+          <a:schemeClr val="tx1"/>
+        </a:solidFill>
+        <a:latin typeface="+mn-lt"/>
+        <a:ea typeface="+mn-ea"/>
+        <a:cs typeface="+mn-cs"/>
+      </a:defRPr>
+    </a:lvl1pPr>
+    <a:lvl2pPr marL="457200" algn="l" defTabSz="914400" rtl="0" eaLnBrk="1" latinLnBrk="0" hangingPunct="1">
+      <a:defRPr sz="1200" kern="1200">
+        <a:solidFill>
+          <a:schemeClr val="tx1"/>
+        </a:solidFill>
+        <a:latin typeface="+mn-lt"/>
+        <a:ea typeface="+mn-ea"/>
+        <a:cs typeface="+mn-cs"/>
+      </a:defRPr>
+    </a:lvl2pPr>
+    <a:lvl3pPr marL="914400" algn="l" defTabSz="914400" rtl="0" eaLnBrk="1" latinLnBrk="0" hangingPunct="1">
+      <a:defRPr sz="1200" kern="1200">
+        <a:solidFill>
+          <a:schemeClr val="tx1"/>
+        </a:solidFill>
+        <a:latin typeface="+mn-lt"/>
+        <a:ea typeface="+mn-ea"/>
+        <a:cs typeface="+mn-cs"/>
+      </a:defRPr>
+    </a:lvl3pPr>
+    <a:lvl4pPr marL="1371600" algn="l" defTabSz="914400" rtl="0" eaLnBrk="1" latinLnBrk="0" hangingPunct="1">
+      <a:defRPr sz="1200" kern="1200">
+        <a:solidFill>
+          <a:schemeClr val="tx1"/>
+        </a:solidFill>
+        <a:latin typeface="+mn-lt"/>
+        <a:ea typeface="+mn-ea"/>
+        <a:cs typeface="+mn-cs"/>
+      </a:defRPr>
+    </a:lvl4pPr>
+    <a:lvl5pPr marL="1828800" algn="l" defTabSz="914400" rtl="0" eaLnBrk="1" latinLnBrk="0" hangingPunct="1">
+      <a:defRPr sz="1200" kern="1200">
+        <a:solidFill>
+          <a:schemeClr val="tx1"/>
+        </a:solidFill>
+        <a:latin typeface="+mn-lt"/>
+        <a:ea typeface="+mn-ea"/>
+        <a:cs typeface="+mn-cs"/>
+      </a:defRPr>
+    </a:lvl5pPr>
+    <a:lvl6pPr marL="2286000" algn="l" defTabSz="914400" rtl="0" eaLnBrk="1" latinLnBrk="0" hangingPunct="1">
+      <a:defRPr sz="1200" kern="1200">
+        <a:solidFill>
+          <a:schemeClr val="tx1"/>
+        </a:solidFill>
+        <a:latin typeface="+mn-lt"/>
+        <a:ea typeface="+mn-ea"/>
+        <a:cs typeface="+mn-cs"/>
+      </a:defRPr>
+    </a:lvl6pPr>
+    <a:lvl7pPr marL="2743200" algn="l" defTabSz="914400" rtl="0" eaLnBrk="1" latinLnBrk="0" hangingPunct="1">
+      <a:defRPr sz="1200" kern="1200">
+        <a:solidFill>
+          <a:schemeClr val="tx1"/>
+        </a:solidFill>
+        <a:latin typeface="+mn-lt"/>
+        <a:ea typeface="+mn-ea"/>
+        <a:cs typeface="+mn-cs"/>
+      </a:defRPr>
+    </a:lvl7pPr>
+    <a:lvl8pPr marL="3200400" algn="l" defTabSz="914400" rtl="0" eaLnBrk="1" latinLnBrk="0" hangingPunct="1">
+      <a:defRPr sz="1200" kern="1200">
+        <a:solidFill>
+          <a:schemeClr val="tx1"/>
+        </a:solidFill>
+        <a:latin typeface="+mn-lt"/>
+        <a:ea typeface="+mn-ea"/>
+        <a:cs typeface="+mn-cs"/>
+      </a:defRPr>
+    </a:lvl8pPr>
+    <a:lvl9pPr marL="3657600" algn="l" defTabSz="914400" rtl="0" eaLnBrk="1" latinLnBrk="0" hangingPunct="1">
+      <a:defRPr sz="1200" kern="1200">
+        <a:solidFill>
+          <a:schemeClr val="tx1"/>
+        </a:solidFill>
+        <a:latin typeface="+mn-lt"/>
+        <a:ea typeface="+mn-ea"/>
+        <a:cs typeface="+mn-cs"/>
+      </a:defRPr>
+    </a:lvl9pPr>
+  </p:notesStyle>
+</p:notesMaster>
+</file>
+
 <file path=ppt/slideLayouts/slideLayout1.xml><?xml version="1.0" encoding="utf-8"?>
 <p:sldLayout xmlns:a="http://schemas.openxmlformats.org/drawingml/2006/main" xmlns:r="http://schemas.openxmlformats.org/officeDocument/2006/relationships" xmlns:p="http://schemas.openxmlformats.org/presentationml/2006/main" type="title" preserve="1">
   <p:cSld name="Title Slide">
@@ -243,7 +788,7 @@
           <a:p>
             <a:fld id="{2A0509A6-9AE5-4EB0-89AB-8AB156749648}" type="datetimeFigureOut">
               <a:rPr lang="en-AU" smtClean="0"/>
-              <a:t>17/11/2024</a:t>
+              <a:t>10/05/2025</a:t>
             </a:fld>
             <a:endParaRPr lang="en-AU"/>
           </a:p>
@@ -413,7 +958,7 @@
           <a:p>
             <a:fld id="{2A0509A6-9AE5-4EB0-89AB-8AB156749648}" type="datetimeFigureOut">
               <a:rPr lang="en-AU" smtClean="0"/>
-              <a:t>17/11/2024</a:t>
+              <a:t>10/05/2025</a:t>
             </a:fld>
             <a:endParaRPr lang="en-AU"/>
           </a:p>
@@ -593,7 +1138,7 @@
           <a:p>
             <a:fld id="{2A0509A6-9AE5-4EB0-89AB-8AB156749648}" type="datetimeFigureOut">
               <a:rPr lang="en-AU" smtClean="0"/>
-              <a:t>17/11/2024</a:t>
+              <a:t>10/05/2025</a:t>
             </a:fld>
             <a:endParaRPr lang="en-AU"/>
           </a:p>
@@ -763,7 +1308,7 @@
           <a:p>
             <a:fld id="{2A0509A6-9AE5-4EB0-89AB-8AB156749648}" type="datetimeFigureOut">
               <a:rPr lang="en-AU" smtClean="0"/>
-              <a:t>17/11/2024</a:t>
+              <a:t>10/05/2025</a:t>
             </a:fld>
             <a:endParaRPr lang="en-AU"/>
           </a:p>
@@ -1009,7 +1554,7 @@
           <a:p>
             <a:fld id="{2A0509A6-9AE5-4EB0-89AB-8AB156749648}" type="datetimeFigureOut">
               <a:rPr lang="en-AU" smtClean="0"/>
-              <a:t>17/11/2024</a:t>
+              <a:t>10/05/2025</a:t>
             </a:fld>
             <a:endParaRPr lang="en-AU"/>
           </a:p>
@@ -1241,7 +1786,7 @@
           <a:p>
             <a:fld id="{2A0509A6-9AE5-4EB0-89AB-8AB156749648}" type="datetimeFigureOut">
               <a:rPr lang="en-AU" smtClean="0"/>
-              <a:t>17/11/2024</a:t>
+              <a:t>10/05/2025</a:t>
             </a:fld>
             <a:endParaRPr lang="en-AU"/>
           </a:p>
@@ -1608,7 +2153,7 @@
           <a:p>
             <a:fld id="{2A0509A6-9AE5-4EB0-89AB-8AB156749648}" type="datetimeFigureOut">
               <a:rPr lang="en-AU" smtClean="0"/>
-              <a:t>17/11/2024</a:t>
+              <a:t>10/05/2025</a:t>
             </a:fld>
             <a:endParaRPr lang="en-AU"/>
           </a:p>
@@ -1726,7 +2271,7 @@
           <a:p>
             <a:fld id="{2A0509A6-9AE5-4EB0-89AB-8AB156749648}" type="datetimeFigureOut">
               <a:rPr lang="en-AU" smtClean="0"/>
-              <a:t>17/11/2024</a:t>
+              <a:t>10/05/2025</a:t>
             </a:fld>
             <a:endParaRPr lang="en-AU"/>
           </a:p>
@@ -1821,7 +2366,7 @@
           <a:p>
             <a:fld id="{2A0509A6-9AE5-4EB0-89AB-8AB156749648}" type="datetimeFigureOut">
               <a:rPr lang="en-AU" smtClean="0"/>
-              <a:t>17/11/2024</a:t>
+              <a:t>10/05/2025</a:t>
             </a:fld>
             <a:endParaRPr lang="en-AU"/>
           </a:p>
@@ -2098,7 +2643,7 @@
           <a:p>
             <a:fld id="{2A0509A6-9AE5-4EB0-89AB-8AB156749648}" type="datetimeFigureOut">
               <a:rPr lang="en-AU" smtClean="0"/>
-              <a:t>17/11/2024</a:t>
+              <a:t>10/05/2025</a:t>
             </a:fld>
             <a:endParaRPr lang="en-AU"/>
           </a:p>
@@ -2355,7 +2900,7 @@
           <a:p>
             <a:fld id="{2A0509A6-9AE5-4EB0-89AB-8AB156749648}" type="datetimeFigureOut">
               <a:rPr lang="en-AU" smtClean="0"/>
-              <a:t>17/11/2024</a:t>
+              <a:t>10/05/2025</a:t>
             </a:fld>
             <a:endParaRPr lang="en-AU"/>
           </a:p>
@@ -2568,7 +3113,7 @@
           <a:p>
             <a:fld id="{2A0509A6-9AE5-4EB0-89AB-8AB156749648}" type="datetimeFigureOut">
               <a:rPr lang="en-AU" smtClean="0"/>
-              <a:t>17/11/2024</a:t>
+              <a:t>10/05/2025</a:t>
             </a:fld>
             <a:endParaRPr lang="en-AU"/>
           </a:p>
@@ -2975,6 +3520,216 @@
       </p:grpSpPr>
       <p:cxnSp>
         <p:nvCxnSpPr>
+          <p:cNvPr id="16" name="Straight Connector 15">
+            <a:extLst>
+              <a:ext uri="{FF2B5EF4-FFF2-40B4-BE49-F238E27FC236}">
+                <a16:creationId xmlns:a16="http://schemas.microsoft.com/office/drawing/2014/main" id="{15C4DC3E-98D3-9099-D4B4-655EA2C8F137}"/>
+              </a:ext>
+            </a:extLst>
+          </p:cNvPr>
+          <p:cNvCxnSpPr>
+            <a:cxnSpLocks/>
+          </p:cNvCxnSpPr>
+          <p:nvPr/>
+        </p:nvCxnSpPr>
+        <p:spPr>
+          <a:xfrm>
+            <a:off x="414338" y="7785036"/>
+            <a:ext cx="4430794" cy="0"/>
+          </a:xfrm>
+          <a:prstGeom prst="line">
+            <a:avLst/>
+          </a:prstGeom>
+          <a:ln w="38100">
+            <a:solidFill>
+              <a:schemeClr val="accent1"/>
+            </a:solidFill>
+          </a:ln>
+        </p:spPr>
+        <p:style>
+          <a:lnRef idx="2">
+            <a:schemeClr val="accent1"/>
+          </a:lnRef>
+          <a:fillRef idx="0">
+            <a:schemeClr val="accent1"/>
+          </a:fillRef>
+          <a:effectRef idx="1">
+            <a:schemeClr val="accent1"/>
+          </a:effectRef>
+          <a:fontRef idx="minor">
+            <a:schemeClr val="tx1"/>
+          </a:fontRef>
+        </p:style>
+      </p:cxnSp>
+      <p:grpSp>
+        <p:nvGrpSpPr>
+          <p:cNvPr id="32" name="Group 31">
+            <a:extLst>
+              <a:ext uri="{FF2B5EF4-FFF2-40B4-BE49-F238E27FC236}">
+                <a16:creationId xmlns:a16="http://schemas.microsoft.com/office/drawing/2014/main" id="{1BDE0A73-A651-01E9-D026-B5E634FF6715}"/>
+              </a:ext>
+            </a:extLst>
+          </p:cNvPr>
+          <p:cNvGrpSpPr/>
+          <p:nvPr/>
+        </p:nvGrpSpPr>
+        <p:grpSpPr>
+          <a:xfrm>
+            <a:off x="3833344" y="6029878"/>
+            <a:ext cx="3348000" cy="3348000"/>
+            <a:chOff x="3809594" y="6029878"/>
+            <a:chExt cx="3348000" cy="3348000"/>
+          </a:xfrm>
+        </p:grpSpPr>
+        <p:pic>
+          <p:nvPicPr>
+            <p:cNvPr id="33" name="Picture 32" descr="A couple of drones flying in the sky&#10;&#10;Description automatically generated">
+              <a:extLst>
+                <a:ext uri="{FF2B5EF4-FFF2-40B4-BE49-F238E27FC236}">
+                  <a16:creationId xmlns:a16="http://schemas.microsoft.com/office/drawing/2014/main" id="{13689AFA-792E-D671-589A-18532C96C510}"/>
+                </a:ext>
+              </a:extLst>
+            </p:cNvPr>
+            <p:cNvPicPr>
+              <a:picLocks/>
+            </p:cNvPicPr>
+            <p:nvPr/>
+          </p:nvPicPr>
+          <p:blipFill>
+            <a:blip r:embed="rId2">
+              <a:extLst>
+                <a:ext uri="{28A0092B-C50C-407E-A947-70E740481C1C}">
+                  <a14:useLocalDpi xmlns:a14="http://schemas.microsoft.com/office/drawing/2010/main" val="0"/>
+                </a:ext>
+              </a:extLst>
+            </a:blip>
+            <a:srcRect l="24324" t="-1079" r="20991" b="28378"/>
+            <a:stretch/>
+          </p:blipFill>
+          <p:spPr>
+            <a:xfrm>
+              <a:off x="3809594" y="6029878"/>
+              <a:ext cx="3348000" cy="3348000"/>
+            </a:xfrm>
+            <a:prstGeom prst="ellipse">
+              <a:avLst/>
+            </a:prstGeom>
+            <a:ln w="38100">
+              <a:solidFill>
+                <a:schemeClr val="bg1"/>
+              </a:solidFill>
+            </a:ln>
+          </p:spPr>
+        </p:pic>
+        <p:sp>
+          <p:nvSpPr>
+            <p:cNvPr id="34" name="Rectangle 33">
+              <a:extLst>
+                <a:ext uri="{FF2B5EF4-FFF2-40B4-BE49-F238E27FC236}">
+                  <a16:creationId xmlns:a16="http://schemas.microsoft.com/office/drawing/2014/main" id="{F95DFEFE-1913-1F99-ADE3-37E3A0DA3217}"/>
+                </a:ext>
+              </a:extLst>
+            </p:cNvPr>
+            <p:cNvSpPr/>
+            <p:nvPr/>
+          </p:nvSpPr>
+          <p:spPr>
+            <a:xfrm rot="15395996">
+              <a:off x="3899594" y="6119878"/>
+              <a:ext cx="3168000" cy="3168000"/>
+            </a:xfrm>
+            <a:prstGeom prst="rect">
+              <a:avLst/>
+            </a:prstGeom>
+            <a:noFill/>
+          </p:spPr>
+          <p:txBody>
+            <a:bodyPr wrap="none" lIns="91440" tIns="45720" rIns="91440" bIns="45720">
+              <a:prstTxWarp prst="textArchUp">
+                <a:avLst>
+                  <a:gd name="adj" fmla="val 10115048"/>
+                </a:avLst>
+              </a:prstTxWarp>
+              <a:spAutoFit/>
+            </a:bodyPr>
+            <a:lstStyle/>
+            <a:p>
+              <a:pPr algn="ctr"/>
+              <a:r>
+                <a:rPr lang="en-US" sz="1050" b="1" cap="none" spc="0" dirty="0" err="1">
+                  <a:ln w="0"/>
+                  <a:solidFill>
+                    <a:srgbClr val="FFFFFF"/>
+                  </a:solidFill>
+                  <a:highlight>
+                    <a:srgbClr val="FFFFFF"/>
+                  </a:highlight>
+                </a:rPr>
+                <a:t>x</a:t>
+              </a:r>
+              <a:r>
+                <a:rPr lang="en-US" sz="1050" b="1" cap="none" spc="0" dirty="0" err="1">
+                  <a:ln w="0"/>
+                  <a:solidFill>
+                    <a:srgbClr val="156082"/>
+                  </a:solidFill>
+                  <a:highlight>
+                    <a:srgbClr val="FFFFFF"/>
+                  </a:highlight>
+                </a:rPr>
+                <a:t>Multi</a:t>
+              </a:r>
+              <a:r>
+                <a:rPr lang="en-US" sz="1050" b="1" cap="none" spc="0" dirty="0">
+                  <a:ln w="0"/>
+                  <a:solidFill>
+                    <a:srgbClr val="156082"/>
+                  </a:solidFill>
+                  <a:highlight>
+                    <a:srgbClr val="FFFFFF"/>
+                  </a:highlight>
+                </a:rPr>
+                <a:t>-UAS supporting </a:t>
+              </a:r>
+              <a:r>
+                <a:rPr lang="en-US" sz="1050" b="1" cap="none" spc="0" dirty="0" err="1">
+                  <a:ln w="0"/>
+                  <a:solidFill>
+                    <a:srgbClr val="156082"/>
+                  </a:solidFill>
+                  <a:highlight>
+                    <a:srgbClr val="FFFFFF"/>
+                  </a:highlight>
+                </a:rPr>
+                <a:t>SAR</a:t>
+              </a:r>
+              <a:r>
+                <a:rPr lang="en-US" sz="1050" b="1" cap="none" spc="0" dirty="0" err="1">
+                  <a:ln w="0"/>
+                  <a:solidFill>
+                    <a:srgbClr val="FFFFFF"/>
+                  </a:solidFill>
+                  <a:highlight>
+                    <a:srgbClr val="FFFFFF"/>
+                  </a:highlight>
+                </a:rPr>
+                <a:t>x</a:t>
+              </a:r>
+              <a:endParaRPr lang="en-US" sz="1050" b="1" cap="none" spc="0" dirty="0">
+                <a:ln w="0"/>
+                <a:solidFill>
+                  <a:srgbClr val="FFFFFF"/>
+                </a:solidFill>
+                <a:highlight>
+                  <a:srgbClr val="FFFFFF"/>
+                </a:highlight>
+              </a:endParaRPr>
+            </a:p>
+          </p:txBody>
+        </p:sp>
+      </p:grpSp>
+      <p:cxnSp>
+        <p:nvCxnSpPr>
           <p:cNvPr id="39" name="Straight Connector 38">
             <a:extLst>
               <a:ext uri="{FF2B5EF4-FFF2-40B4-BE49-F238E27FC236}">
@@ -3016,31 +3771,62 @@
           </a:fontRef>
         </p:style>
       </p:cxnSp>
-      <p:cxnSp>
-        <p:nvCxnSpPr>
-          <p:cNvPr id="16" name="Straight Connector 15">
+      <p:pic>
+        <p:nvPicPr>
+          <p:cNvPr id="36" name="Picture 35">
             <a:extLst>
               <a:ext uri="{FF2B5EF4-FFF2-40B4-BE49-F238E27FC236}">
-                <a16:creationId xmlns:a16="http://schemas.microsoft.com/office/drawing/2014/main" id="{15C4DC3E-98D3-9099-D4B4-655EA2C8F137}"/>
+                <a16:creationId xmlns:a16="http://schemas.microsoft.com/office/drawing/2014/main" id="{B4BD363A-2E7C-AD88-390D-B659920E9CD3}"/>
               </a:ext>
             </a:extLst>
           </p:cNvPr>
-          <p:cNvCxnSpPr>
-            <a:cxnSpLocks/>
-          </p:cNvCxnSpPr>
+          <p:cNvPicPr>
+            <a:picLocks noChangeAspect="1"/>
+          </p:cNvPicPr>
           <p:nvPr/>
-        </p:nvCxnSpPr>
+        </p:nvPicPr>
+        <p:blipFill>
+          <a:blip r:embed="rId3"/>
+          <a:stretch>
+            <a:fillRect/>
+          </a:stretch>
+        </p:blipFill>
         <p:spPr>
           <a:xfrm>
-            <a:off x="414338" y="7785036"/>
-            <a:ext cx="4430794" cy="0"/>
+            <a:off x="1367062" y="7651239"/>
+            <a:ext cx="1530000" cy="267019"/>
           </a:xfrm>
-          <a:prstGeom prst="line">
+          <a:prstGeom prst="rect">
             <a:avLst/>
           </a:prstGeom>
-          <a:ln w="38100">
+        </p:spPr>
+      </p:pic>
+      <p:sp>
+        <p:nvSpPr>
+          <p:cNvPr id="58" name="Arc 57">
+            <a:extLst>
+              <a:ext uri="{FF2B5EF4-FFF2-40B4-BE49-F238E27FC236}">
+                <a16:creationId xmlns:a16="http://schemas.microsoft.com/office/drawing/2014/main" id="{013DD02D-49CD-2E12-3BB0-E2BD309D3383}"/>
+              </a:ext>
+            </a:extLst>
+          </p:cNvPr>
+          <p:cNvSpPr/>
+          <p:nvPr/>
+        </p:nvSpPr>
+        <p:spPr>
+          <a:xfrm>
+            <a:off x="4168032" y="4798361"/>
+            <a:ext cx="1728000" cy="1728000"/>
+          </a:xfrm>
+          <a:prstGeom prst="arc">
+            <a:avLst>
+              <a:gd name="adj1" fmla="val 7298681"/>
+              <a:gd name="adj2" fmla="val 13352955"/>
+            </a:avLst>
+          </a:prstGeom>
+          <a:ln w="127000">
             <a:solidFill>
-              <a:schemeClr val="accent1"/>
+              <a:schemeClr val="bg1"/>
             </a:solidFill>
           </a:ln>
         </p:spPr>
@@ -3058,357 +3844,15 @@
             <a:schemeClr val="tx1"/>
           </a:fontRef>
         </p:style>
-      </p:cxnSp>
-      <p:pic>
-        <p:nvPicPr>
-          <p:cNvPr id="36" name="Picture 35">
-            <a:extLst>
-              <a:ext uri="{FF2B5EF4-FFF2-40B4-BE49-F238E27FC236}">
-                <a16:creationId xmlns:a16="http://schemas.microsoft.com/office/drawing/2014/main" id="{B4BD363A-2E7C-AD88-390D-B659920E9CD3}"/>
-              </a:ext>
-            </a:extLst>
-          </p:cNvPr>
-          <p:cNvPicPr>
-            <a:picLocks noChangeAspect="1"/>
-          </p:cNvPicPr>
-          <p:nvPr/>
-        </p:nvPicPr>
-        <p:blipFill>
-          <a:blip r:embed="rId2"/>
-          <a:stretch>
-            <a:fillRect/>
-          </a:stretch>
-        </p:blipFill>
-        <p:spPr>
-          <a:xfrm>
-            <a:off x="1367062" y="7651239"/>
-            <a:ext cx="1530000" cy="267019"/>
-          </a:xfrm>
-          <a:prstGeom prst="rect">
-            <a:avLst/>
-          </a:prstGeom>
-        </p:spPr>
-      </p:pic>
-      <p:grpSp>
-        <p:nvGrpSpPr>
-          <p:cNvPr id="64" name="Group 63">
-            <a:extLst>
-              <a:ext uri="{FF2B5EF4-FFF2-40B4-BE49-F238E27FC236}">
-                <a16:creationId xmlns:a16="http://schemas.microsoft.com/office/drawing/2014/main" id="{1182CB59-0050-0DF4-F84C-45DB54123BBF}"/>
-              </a:ext>
-            </a:extLst>
-          </p:cNvPr>
-          <p:cNvGrpSpPr/>
-          <p:nvPr/>
-        </p:nvGrpSpPr>
-        <p:grpSpPr>
-          <a:xfrm>
-            <a:off x="3860058" y="6088763"/>
-            <a:ext cx="3732161" cy="3409564"/>
-            <a:chOff x="3816458" y="6257341"/>
-            <a:chExt cx="3732161" cy="3409564"/>
-          </a:xfrm>
-        </p:grpSpPr>
-        <p:pic>
-          <p:nvPicPr>
-            <p:cNvPr id="65" name="Picture 64" descr="A couple of drones flying in the sky&#10;&#10;Description automatically generated">
-              <a:extLst>
-                <a:ext uri="{FF2B5EF4-FFF2-40B4-BE49-F238E27FC236}">
-                  <a16:creationId xmlns:a16="http://schemas.microsoft.com/office/drawing/2014/main" id="{0C7D46C5-2FBC-ED3F-8D43-713BD4539F33}"/>
-                </a:ext>
-              </a:extLst>
-            </p:cNvPr>
-            <p:cNvPicPr>
-              <a:picLocks noChangeAspect="1"/>
-            </p:cNvPicPr>
-            <p:nvPr/>
-          </p:nvPicPr>
-          <p:blipFill>
-            <a:blip r:embed="rId3">
-              <a:extLst>
-                <a:ext uri="{28A0092B-C50C-407E-A947-70E740481C1C}">
-                  <a14:useLocalDpi xmlns:a14="http://schemas.microsoft.com/office/drawing/2010/main" val="0"/>
-                </a:ext>
-              </a:extLst>
-            </a:blip>
-            <a:srcRect l="23333" t="1" r="18889" b="26044"/>
-            <a:stretch/>
-          </p:blipFill>
-          <p:spPr>
-            <a:xfrm>
-              <a:off x="3816458" y="6257341"/>
-              <a:ext cx="3552489" cy="3409564"/>
-            </a:xfrm>
-            <a:prstGeom prst="ellipse">
-              <a:avLst/>
-            </a:prstGeom>
-            <a:ln w="38100">
-              <a:solidFill>
-                <a:schemeClr val="bg1"/>
-              </a:solidFill>
-            </a:ln>
-          </p:spPr>
-        </p:pic>
-        <p:sp>
-          <p:nvSpPr>
-            <p:cNvPr id="66" name="Arc 65">
-              <a:extLst>
-                <a:ext uri="{FF2B5EF4-FFF2-40B4-BE49-F238E27FC236}">
-                  <a16:creationId xmlns:a16="http://schemas.microsoft.com/office/drawing/2014/main" id="{602B2D8D-01AE-264E-AD9B-771986E44AC8}"/>
-                </a:ext>
-              </a:extLst>
-            </p:cNvPr>
-            <p:cNvSpPr/>
-            <p:nvPr/>
-          </p:nvSpPr>
-          <p:spPr>
-            <a:xfrm>
-              <a:off x="3844269" y="6318818"/>
-              <a:ext cx="3704350" cy="3263172"/>
-            </a:xfrm>
-            <a:prstGeom prst="arc">
-              <a:avLst>
-                <a:gd name="adj1" fmla="val 8483985"/>
-                <a:gd name="adj2" fmla="val 11815488"/>
-              </a:avLst>
-            </a:prstGeom>
-            <a:ln w="190500">
-              <a:solidFill>
-                <a:schemeClr val="bg1"/>
-              </a:solidFill>
-            </a:ln>
-          </p:spPr>
-          <p:style>
-            <a:lnRef idx="2">
-              <a:schemeClr val="accent1"/>
-            </a:lnRef>
-            <a:fillRef idx="0">
-              <a:schemeClr val="accent1"/>
-            </a:fillRef>
-            <a:effectRef idx="1">
-              <a:schemeClr val="accent1"/>
-            </a:effectRef>
-            <a:fontRef idx="minor">
-              <a:schemeClr val="tx1"/>
-            </a:fontRef>
-          </p:style>
-          <p:txBody>
-            <a:bodyPr rtlCol="0" anchor="ctr"/>
-            <a:lstStyle/>
-            <a:p>
-              <a:pPr algn="ctr"/>
-              <a:endParaRPr lang="en-AU" dirty="0"/>
-            </a:p>
-          </p:txBody>
-        </p:sp>
-        <p:sp>
-          <p:nvSpPr>
-            <p:cNvPr id="67" name="Rectangle 66">
-              <a:extLst>
-                <a:ext uri="{FF2B5EF4-FFF2-40B4-BE49-F238E27FC236}">
-                  <a16:creationId xmlns:a16="http://schemas.microsoft.com/office/drawing/2014/main" id="{2FA82243-848D-6DD6-0175-E1A2C1296F7E}"/>
-                </a:ext>
-              </a:extLst>
-            </p:cNvPr>
-            <p:cNvSpPr/>
-            <p:nvPr/>
-          </p:nvSpPr>
-          <p:spPr>
-            <a:xfrm rot="15395996">
-              <a:off x="3869978" y="6407500"/>
-              <a:ext cx="3060000" cy="3060000"/>
-            </a:xfrm>
-            <a:prstGeom prst="rect">
-              <a:avLst/>
-            </a:prstGeom>
-            <a:noFill/>
-          </p:spPr>
-          <p:txBody>
-            <a:bodyPr wrap="none" lIns="91440" tIns="45720" rIns="91440" bIns="45720">
-              <a:prstTxWarp prst="textArchUp">
-                <a:avLst>
-                  <a:gd name="adj" fmla="val 10115048"/>
-                </a:avLst>
-              </a:prstTxWarp>
-              <a:spAutoFit/>
-            </a:bodyPr>
-            <a:lstStyle/>
-            <a:p>
-              <a:pPr algn="ctr"/>
-              <a:r>
-                <a:rPr lang="en-US" sz="1050" b="1" cap="none" spc="0" dirty="0">
-                  <a:ln w="0"/>
-                  <a:solidFill>
-                    <a:srgbClr val="156082"/>
-                  </a:solidFill>
-                </a:rPr>
-                <a:t>Multi-UAS supporting SAR</a:t>
-              </a:r>
-            </a:p>
-          </p:txBody>
-        </p:sp>
-      </p:grpSp>
-      <p:grpSp>
-        <p:nvGrpSpPr>
-          <p:cNvPr id="56" name="Group 55">
-            <a:extLst>
-              <a:ext uri="{FF2B5EF4-FFF2-40B4-BE49-F238E27FC236}">
-                <a16:creationId xmlns:a16="http://schemas.microsoft.com/office/drawing/2014/main" id="{4374A509-70B1-185B-100D-E91D47797A42}"/>
-              </a:ext>
-            </a:extLst>
-          </p:cNvPr>
-          <p:cNvGrpSpPr/>
-          <p:nvPr/>
-        </p:nvGrpSpPr>
-        <p:grpSpPr>
-          <a:xfrm>
-            <a:off x="4112421" y="4744361"/>
-            <a:ext cx="1839223" cy="1836000"/>
-            <a:chOff x="997624" y="5328230"/>
-            <a:chExt cx="1839223" cy="1836000"/>
-          </a:xfrm>
-        </p:grpSpPr>
-        <p:pic>
-          <p:nvPicPr>
-            <p:cNvPr id="57" name="Picture 56" descr="A small boat in the water&#10;&#10;Description automatically generated">
-              <a:extLst>
-                <a:ext uri="{FF2B5EF4-FFF2-40B4-BE49-F238E27FC236}">
-                  <a16:creationId xmlns:a16="http://schemas.microsoft.com/office/drawing/2014/main" id="{E6B5B82F-74CD-1234-A7A1-39731EF5287B}"/>
-                </a:ext>
-              </a:extLst>
-            </p:cNvPr>
-            <p:cNvPicPr>
-              <a:picLocks noChangeAspect="1"/>
-            </p:cNvPicPr>
-            <p:nvPr/>
-          </p:nvPicPr>
-          <p:blipFill>
-            <a:blip r:embed="rId4">
-              <a:extLst>
-                <a:ext uri="{28A0092B-C50C-407E-A947-70E740481C1C}">
-                  <a14:useLocalDpi xmlns:a14="http://schemas.microsoft.com/office/drawing/2010/main" val="0"/>
-                </a:ext>
-              </a:extLst>
-            </a:blip>
-            <a:srcRect l="37672" t="22235" r="9375" b="7266"/>
-            <a:stretch/>
-          </p:blipFill>
-          <p:spPr>
-            <a:xfrm>
-              <a:off x="997624" y="5328230"/>
-              <a:ext cx="1839223" cy="1836000"/>
-            </a:xfrm>
-            <a:prstGeom prst="ellipse">
-              <a:avLst/>
-            </a:prstGeom>
-            <a:ln w="38100">
-              <a:solidFill>
-                <a:schemeClr val="bg1"/>
-              </a:solidFill>
-            </a:ln>
-          </p:spPr>
-        </p:pic>
-        <p:sp>
-          <p:nvSpPr>
-            <p:cNvPr id="58" name="Arc 57">
-              <a:extLst>
-                <a:ext uri="{FF2B5EF4-FFF2-40B4-BE49-F238E27FC236}">
-                  <a16:creationId xmlns:a16="http://schemas.microsoft.com/office/drawing/2014/main" id="{013DD02D-49CD-2E12-3BB0-E2BD309D3383}"/>
-                </a:ext>
-              </a:extLst>
-            </p:cNvPr>
-            <p:cNvSpPr/>
-            <p:nvPr/>
-          </p:nvSpPr>
-          <p:spPr>
-            <a:xfrm>
-              <a:off x="1053235" y="5382230"/>
-              <a:ext cx="1728000" cy="1728000"/>
-            </a:xfrm>
-            <a:prstGeom prst="arc">
-              <a:avLst>
-                <a:gd name="adj1" fmla="val 7298681"/>
-                <a:gd name="adj2" fmla="val 13352955"/>
-              </a:avLst>
-            </a:prstGeom>
-            <a:ln w="127000">
-              <a:solidFill>
-                <a:schemeClr val="bg1"/>
-              </a:solidFill>
-            </a:ln>
-          </p:spPr>
-          <p:style>
-            <a:lnRef idx="2">
-              <a:schemeClr val="accent1"/>
-            </a:lnRef>
-            <a:fillRef idx="0">
-              <a:schemeClr val="accent1"/>
-            </a:fillRef>
-            <a:effectRef idx="1">
-              <a:schemeClr val="accent1"/>
-            </a:effectRef>
-            <a:fontRef idx="minor">
-              <a:schemeClr val="tx1"/>
-            </a:fontRef>
-          </p:style>
-          <p:txBody>
-            <a:bodyPr rtlCol="0" anchor="ctr"/>
-            <a:lstStyle/>
-            <a:p>
-              <a:pPr algn="ctr"/>
-              <a:endParaRPr lang="en-AU" dirty="0"/>
-            </a:p>
-          </p:txBody>
-        </p:sp>
-        <p:sp>
-          <p:nvSpPr>
-            <p:cNvPr id="59" name="Rectangle 58">
-              <a:extLst>
-                <a:ext uri="{FF2B5EF4-FFF2-40B4-BE49-F238E27FC236}">
-                  <a16:creationId xmlns:a16="http://schemas.microsoft.com/office/drawing/2014/main" id="{A26BAE6B-D8DD-6541-ECC9-DFEF74956177}"/>
-                </a:ext>
-              </a:extLst>
-            </p:cNvPr>
-            <p:cNvSpPr/>
-            <p:nvPr/>
-          </p:nvSpPr>
-          <p:spPr>
-            <a:xfrm rot="15588639">
-              <a:off x="1050279" y="5369778"/>
-              <a:ext cx="1728000" cy="1728000"/>
-            </a:xfrm>
-            <a:prstGeom prst="rect">
-              <a:avLst/>
-            </a:prstGeom>
-            <a:noFill/>
-          </p:spPr>
-          <p:txBody>
-            <a:bodyPr wrap="none" lIns="91440" tIns="45720" rIns="91440" bIns="45720">
-              <a:prstTxWarp prst="textArchUp">
-                <a:avLst>
-                  <a:gd name="adj" fmla="val 10115048"/>
-                </a:avLst>
-              </a:prstTxWarp>
-              <a:spAutoFit/>
-            </a:bodyPr>
-            <a:lstStyle/>
-            <a:p>
-              <a:pPr algn="ctr"/>
-              <a:r>
-                <a:rPr lang="en-US" sz="800" b="1" cap="none" spc="0" dirty="0">
-                  <a:ln w="0">
-                    <a:noFill/>
-                  </a:ln>
-                  <a:solidFill>
-                    <a:srgbClr val="156082"/>
-                  </a:solidFill>
-                </a:rPr>
-                <a:t>Payload design and operations</a:t>
-              </a:r>
-            </a:p>
-          </p:txBody>
-        </p:sp>
-      </p:grpSp>
+        <p:txBody>
+          <a:bodyPr rtlCol="0" anchor="ctr"/>
+          <a:lstStyle/>
+          <a:p>
+            <a:pPr algn="ctr"/>
+            <a:endParaRPr lang="en-AU" dirty="0"/>
+          </a:p>
+        </p:txBody>
+      </p:sp>
       <p:cxnSp>
         <p:nvCxnSpPr>
           <p:cNvPr id="25" name="Straight Connector 24">
@@ -3452,165 +3896,6 @@
           </a:fontRef>
         </p:style>
       </p:cxnSp>
-      <p:grpSp>
-        <p:nvGrpSpPr>
-          <p:cNvPr id="44" name="Group 43">
-            <a:extLst>
-              <a:ext uri="{FF2B5EF4-FFF2-40B4-BE49-F238E27FC236}">
-                <a16:creationId xmlns:a16="http://schemas.microsoft.com/office/drawing/2014/main" id="{DB5516A7-03A9-4563-7353-76B11A41E57F}"/>
-              </a:ext>
-            </a:extLst>
-          </p:cNvPr>
-          <p:cNvGrpSpPr/>
-          <p:nvPr/>
-        </p:nvGrpSpPr>
-        <p:grpSpPr>
-          <a:xfrm>
-            <a:off x="4291388" y="-740989"/>
-            <a:ext cx="4467624" cy="4335974"/>
-            <a:chOff x="-635572" y="4129192"/>
-            <a:chExt cx="4467624" cy="4335974"/>
-          </a:xfrm>
-        </p:grpSpPr>
-        <p:pic>
-          <p:nvPicPr>
-            <p:cNvPr id="45" name="Picture 44" descr="A drone flying in the sky&#10;&#10;Description automatically generated">
-              <a:extLst>
-                <a:ext uri="{FF2B5EF4-FFF2-40B4-BE49-F238E27FC236}">
-                  <a16:creationId xmlns:a16="http://schemas.microsoft.com/office/drawing/2014/main" id="{672E2C0F-7E1E-4FEA-5231-99CF6A48C8CC}"/>
-                </a:ext>
-              </a:extLst>
-            </p:cNvPr>
-            <p:cNvPicPr>
-              <a:picLocks noChangeAspect="1"/>
-            </p:cNvPicPr>
-            <p:nvPr/>
-          </p:nvPicPr>
-          <p:blipFill>
-            <a:blip r:embed="rId5">
-              <a:extLst>
-                <a:ext uri="{28A0092B-C50C-407E-A947-70E740481C1C}">
-                  <a14:useLocalDpi xmlns:a14="http://schemas.microsoft.com/office/drawing/2010/main" val="0"/>
-                </a:ext>
-              </a:extLst>
-            </a:blip>
-            <a:srcRect l="22500" t="9124" r="-22500" b="15815"/>
-            <a:stretch/>
-          </p:blipFill>
-          <p:spPr>
-            <a:xfrm>
-              <a:off x="-635572" y="4143175"/>
-              <a:ext cx="4320000" cy="4321991"/>
-            </a:xfrm>
-            <a:prstGeom prst="ellipse">
-              <a:avLst/>
-            </a:prstGeom>
-            <a:ln w="38100">
-              <a:solidFill>
-                <a:schemeClr val="bg1"/>
-              </a:solidFill>
-            </a:ln>
-          </p:spPr>
-        </p:pic>
-        <p:sp>
-          <p:nvSpPr>
-            <p:cNvPr id="46" name="Arc 45">
-              <a:extLst>
-                <a:ext uri="{FF2B5EF4-FFF2-40B4-BE49-F238E27FC236}">
-                  <a16:creationId xmlns:a16="http://schemas.microsoft.com/office/drawing/2014/main" id="{CA7C3C41-0DB2-C7E5-B044-3F4824D512AC}"/>
-                </a:ext>
-              </a:extLst>
-            </p:cNvPr>
-            <p:cNvSpPr/>
-            <p:nvPr/>
-          </p:nvSpPr>
-          <p:spPr>
-            <a:xfrm>
-              <a:off x="-535422" y="4165191"/>
-              <a:ext cx="4248000" cy="4248000"/>
-            </a:xfrm>
-            <a:prstGeom prst="arc">
-              <a:avLst>
-                <a:gd name="adj1" fmla="val 8529879"/>
-                <a:gd name="adj2" fmla="val 13069069"/>
-              </a:avLst>
-            </a:prstGeom>
-            <a:ln w="215900">
-              <a:solidFill>
-                <a:schemeClr val="bg1"/>
-              </a:solidFill>
-            </a:ln>
-          </p:spPr>
-          <p:style>
-            <a:lnRef idx="2">
-              <a:schemeClr val="accent1"/>
-            </a:lnRef>
-            <a:fillRef idx="0">
-              <a:schemeClr val="accent1"/>
-            </a:fillRef>
-            <a:effectRef idx="1">
-              <a:schemeClr val="accent1"/>
-            </a:effectRef>
-            <a:fontRef idx="minor">
-              <a:schemeClr val="tx1"/>
-            </a:fontRef>
-          </p:style>
-          <p:txBody>
-            <a:bodyPr rtlCol="0" anchor="ctr"/>
-            <a:lstStyle/>
-            <a:p>
-              <a:pPr algn="ctr"/>
-              <a:endParaRPr lang="en-AU" dirty="0"/>
-            </a:p>
-          </p:txBody>
-        </p:sp>
-        <p:sp>
-          <p:nvSpPr>
-            <p:cNvPr id="47" name="Rectangle 46">
-              <a:extLst>
-                <a:ext uri="{FF2B5EF4-FFF2-40B4-BE49-F238E27FC236}">
-                  <a16:creationId xmlns:a16="http://schemas.microsoft.com/office/drawing/2014/main" id="{25B612FB-0316-9200-13BC-29309A758B5D}"/>
-                </a:ext>
-              </a:extLst>
-            </p:cNvPr>
-            <p:cNvSpPr/>
-            <p:nvPr/>
-          </p:nvSpPr>
-          <p:spPr>
-            <a:xfrm rot="16200000">
-              <a:off x="-487948" y="4129192"/>
-              <a:ext cx="4320000" cy="4320000"/>
-            </a:xfrm>
-            <a:prstGeom prst="rect">
-              <a:avLst/>
-            </a:prstGeom>
-            <a:noFill/>
-          </p:spPr>
-          <p:txBody>
-            <a:bodyPr wrap="none" lIns="91440" tIns="45720" rIns="91440" bIns="45720">
-              <a:prstTxWarp prst="textArchUp">
-                <a:avLst>
-                  <a:gd name="adj" fmla="val 10115048"/>
-                </a:avLst>
-              </a:prstTxWarp>
-              <a:spAutoFit/>
-            </a:bodyPr>
-            <a:lstStyle/>
-            <a:p>
-              <a:pPr algn="ctr"/>
-              <a:r>
-                <a:rPr lang="en-US" sz="1050" b="1" cap="none" spc="0" dirty="0">
-                  <a:ln w="0"/>
-                  <a:solidFill>
-                    <a:srgbClr val="156082"/>
-                  </a:solidFill>
-                </a:rPr>
-                <a:t>Gas sampler design for volcanic fumaroles</a:t>
-              </a:r>
-            </a:p>
-          </p:txBody>
-        </p:sp>
-      </p:grpSp>
       <p:sp>
         <p:nvSpPr>
           <p:cNvPr id="2" name="Title 1">
@@ -3933,7 +4218,7 @@
       <p:pic>
         <p:nvPicPr>
           <p:cNvPr id="30" name="Picture 29">
-            <a:hlinkClick r:id="rId6"/>
+            <a:hlinkClick r:id="rId4"/>
             <a:extLst>
               <a:ext uri="{FF2B5EF4-FFF2-40B4-BE49-F238E27FC236}">
                 <a16:creationId xmlns:a16="http://schemas.microsoft.com/office/drawing/2014/main" id="{41ACED6C-F4B2-B7FF-6A48-81C3A88EE894}"/>
@@ -3946,7 +4231,7 @@
           <p:nvPr/>
         </p:nvPicPr>
         <p:blipFill>
-          <a:blip r:embed="rId7"/>
+          <a:blip r:embed="rId5"/>
           <a:stretch>
             <a:fillRect/>
           </a:stretch>
@@ -3991,7 +4276,7 @@
           <a:p>
             <a:r>
               <a:rPr lang="en-AU" sz="1400" dirty="0">
-                <a:hlinkClick r:id="rId6">
+                <a:hlinkClick r:id="rId4">
                   <a:extLst>
                     <a:ext uri="{A12FA001-AC4F-418D-AE19-62706E023703}">
                       <ahyp:hlinkClr xmlns:ahyp="http://schemas.microsoft.com/office/drawing/2018/hyperlinkcolor" val="tx"/>
@@ -4006,7 +4291,7 @@
           <a:p>
             <a:r>
               <a:rPr lang="en-AU" sz="1400" dirty="0">
-                <a:hlinkClick r:id="rId8">
+                <a:hlinkClick r:id="rId6">
                   <a:extLst>
                     <a:ext uri="{A12FA001-AC4F-418D-AE19-62706E023703}">
                       <ahyp:hlinkClr xmlns:ahyp="http://schemas.microsoft.com/office/drawing/2018/hyperlinkcolor" val="tx"/>
@@ -4034,7 +4319,7 @@
         </p:nvSpPr>
         <p:spPr>
           <a:xfrm>
-            <a:off x="2163230" y="6133236"/>
+            <a:off x="2139480" y="6133236"/>
             <a:ext cx="2015924" cy="1231106"/>
           </a:xfrm>
           <a:prstGeom prst="rect">
@@ -4181,705 +4466,10 @@
           </a:p>
         </p:txBody>
       </p:sp>
-      <p:grpSp>
-        <p:nvGrpSpPr>
-          <p:cNvPr id="48" name="Group 47">
-            <a:extLst>
-              <a:ext uri="{FF2B5EF4-FFF2-40B4-BE49-F238E27FC236}">
-                <a16:creationId xmlns:a16="http://schemas.microsoft.com/office/drawing/2014/main" id="{4DBBD16E-5571-3873-35EB-927FCD5EA2F1}"/>
-              </a:ext>
-            </a:extLst>
-          </p:cNvPr>
-          <p:cNvGrpSpPr/>
-          <p:nvPr/>
-        </p:nvGrpSpPr>
-        <p:grpSpPr>
-          <a:xfrm>
-            <a:off x="4238199" y="2636336"/>
-            <a:ext cx="2626214" cy="2633276"/>
-            <a:chOff x="-345327" y="4070742"/>
-            <a:chExt cx="2626214" cy="2633276"/>
-          </a:xfrm>
-        </p:grpSpPr>
-        <p:pic>
-          <p:nvPicPr>
-            <p:cNvPr id="49" name="Picture 48" descr="A race car on a track&#10;&#10;Description automatically generated">
-              <a:extLst>
-                <a:ext uri="{FF2B5EF4-FFF2-40B4-BE49-F238E27FC236}">
-                  <a16:creationId xmlns:a16="http://schemas.microsoft.com/office/drawing/2014/main" id="{EF6199AB-AB42-0E0B-DEB0-5CACEB4B5A87}"/>
-                </a:ext>
-              </a:extLst>
-            </p:cNvPr>
-            <p:cNvPicPr>
-              <a:picLocks noChangeAspect="1"/>
-            </p:cNvPicPr>
-            <p:nvPr/>
-          </p:nvPicPr>
-          <p:blipFill>
-            <a:blip r:embed="rId9">
-              <a:extLst>
-                <a:ext uri="{28A0092B-C50C-407E-A947-70E740481C1C}">
-                  <a14:useLocalDpi xmlns:a14="http://schemas.microsoft.com/office/drawing/2010/main" val="0"/>
-                </a:ext>
-              </a:extLst>
-            </a:blip>
-            <a:srcRect l="4258" t="31260" r="60691" b="21951"/>
-            <a:stretch/>
-          </p:blipFill>
-          <p:spPr>
-            <a:xfrm>
-              <a:off x="-345327" y="4070742"/>
-              <a:ext cx="2626214" cy="2628585"/>
-            </a:xfrm>
-            <a:prstGeom prst="ellipse">
-              <a:avLst/>
-            </a:prstGeom>
-            <a:ln w="38100">
-              <a:solidFill>
-                <a:schemeClr val="bg1"/>
-              </a:solidFill>
-            </a:ln>
-          </p:spPr>
-        </p:pic>
-        <p:sp>
-          <p:nvSpPr>
-            <p:cNvPr id="50" name="Arc 49">
-              <a:extLst>
-                <a:ext uri="{FF2B5EF4-FFF2-40B4-BE49-F238E27FC236}">
-                  <a16:creationId xmlns:a16="http://schemas.microsoft.com/office/drawing/2014/main" id="{DD951793-F131-EF8A-7778-60FC2EA847DD}"/>
-                </a:ext>
-              </a:extLst>
-            </p:cNvPr>
-            <p:cNvSpPr/>
-            <p:nvPr/>
-          </p:nvSpPr>
-          <p:spPr>
-            <a:xfrm rot="16200000">
-              <a:off x="-308372" y="4148018"/>
-              <a:ext cx="2556000" cy="2556000"/>
-            </a:xfrm>
-            <a:prstGeom prst="arc">
-              <a:avLst>
-                <a:gd name="adj1" fmla="val 18061033"/>
-                <a:gd name="adj2" fmla="val 3907354"/>
-              </a:avLst>
-            </a:prstGeom>
-            <a:ln w="152400">
-              <a:solidFill>
-                <a:schemeClr val="bg1"/>
-              </a:solidFill>
-            </a:ln>
-          </p:spPr>
-          <p:style>
-            <a:lnRef idx="2">
-              <a:schemeClr val="accent1"/>
-            </a:lnRef>
-            <a:fillRef idx="0">
-              <a:schemeClr val="accent1"/>
-            </a:fillRef>
-            <a:effectRef idx="1">
-              <a:schemeClr val="accent1"/>
-            </a:effectRef>
-            <a:fontRef idx="minor">
-              <a:schemeClr val="tx1"/>
-            </a:fontRef>
-          </p:style>
-          <p:txBody>
-            <a:bodyPr rtlCol="0" anchor="ctr"/>
-            <a:lstStyle/>
-            <a:p>
-              <a:pPr algn="ctr"/>
-              <a:endParaRPr lang="en-AU" dirty="0"/>
-            </a:p>
-          </p:txBody>
-        </p:sp>
-        <p:sp>
-          <p:nvSpPr>
-            <p:cNvPr id="51" name="Rectangle 50">
-              <a:extLst>
-                <a:ext uri="{FF2B5EF4-FFF2-40B4-BE49-F238E27FC236}">
-                  <a16:creationId xmlns:a16="http://schemas.microsoft.com/office/drawing/2014/main" id="{89F207BD-92D0-1502-6B0E-AA77211AD0A7}"/>
-                </a:ext>
-              </a:extLst>
-            </p:cNvPr>
-            <p:cNvSpPr/>
-            <p:nvPr/>
-          </p:nvSpPr>
-          <p:spPr>
-            <a:xfrm rot="150147">
-              <a:off x="-245970" y="4135675"/>
-              <a:ext cx="2448000" cy="2448000"/>
-            </a:xfrm>
-            <a:prstGeom prst="rect">
-              <a:avLst/>
-            </a:prstGeom>
-            <a:noFill/>
-          </p:spPr>
-          <p:txBody>
-            <a:bodyPr wrap="none" lIns="91440" tIns="45720" rIns="91440" bIns="45720">
-              <a:prstTxWarp prst="textArchUp">
-                <a:avLst>
-                  <a:gd name="adj" fmla="val 10115048"/>
-                </a:avLst>
-              </a:prstTxWarp>
-              <a:spAutoFit/>
-            </a:bodyPr>
-            <a:lstStyle/>
-            <a:p>
-              <a:pPr algn="ctr"/>
-              <a:r>
-                <a:rPr lang="en-US" sz="1050" b="1" cap="none" spc="0" dirty="0">
-                  <a:ln w="0"/>
-                  <a:solidFill>
-                    <a:srgbClr val="156082"/>
-                  </a:solidFill>
-                </a:rPr>
-                <a:t>System architecture and team management</a:t>
-              </a:r>
-            </a:p>
-          </p:txBody>
-        </p:sp>
-      </p:grpSp>
-      <p:grpSp>
-        <p:nvGrpSpPr>
-          <p:cNvPr id="52" name="Group 51">
-            <a:extLst>
-              <a:ext uri="{FF2B5EF4-FFF2-40B4-BE49-F238E27FC236}">
-                <a16:creationId xmlns:a16="http://schemas.microsoft.com/office/drawing/2014/main" id="{5DC005C6-C9BB-C138-318E-C51435CFA85D}"/>
-              </a:ext>
-            </a:extLst>
-          </p:cNvPr>
-          <p:cNvGrpSpPr/>
-          <p:nvPr/>
-        </p:nvGrpSpPr>
-        <p:grpSpPr>
-          <a:xfrm>
-            <a:off x="5685829" y="4367485"/>
-            <a:ext cx="1373205" cy="1339367"/>
-            <a:chOff x="517625" y="6383324"/>
-            <a:chExt cx="1080000" cy="1126052"/>
-          </a:xfrm>
-        </p:grpSpPr>
-        <p:pic>
-          <p:nvPicPr>
-            <p:cNvPr id="53" name="Picture 52" descr="A large airplane flying over a fence&#10;&#10;Description automatically generated">
-              <a:extLst>
-                <a:ext uri="{FF2B5EF4-FFF2-40B4-BE49-F238E27FC236}">
-                  <a16:creationId xmlns:a16="http://schemas.microsoft.com/office/drawing/2014/main" id="{7EB5B1CC-836A-928A-BF39-55EF0574BC87}"/>
-                </a:ext>
-              </a:extLst>
-            </p:cNvPr>
-            <p:cNvPicPr>
-              <a:picLocks noChangeAspect="1"/>
-            </p:cNvPicPr>
-            <p:nvPr/>
-          </p:nvPicPr>
-          <p:blipFill>
-            <a:blip r:embed="rId10">
-              <a:extLst>
-                <a:ext uri="{28A0092B-C50C-407E-A947-70E740481C1C}">
-                  <a14:useLocalDpi xmlns:a14="http://schemas.microsoft.com/office/drawing/2010/main" val="0"/>
-                </a:ext>
-              </a:extLst>
-            </a:blip>
-            <a:srcRect l="16955" t="15105" r="28804" b="11787"/>
-            <a:stretch/>
-          </p:blipFill>
-          <p:spPr>
-            <a:xfrm>
-              <a:off x="522669" y="6383324"/>
-              <a:ext cx="1072783" cy="1088406"/>
-            </a:xfrm>
-            <a:prstGeom prst="ellipse">
-              <a:avLst/>
-            </a:prstGeom>
-            <a:ln w="38100">
-              <a:solidFill>
-                <a:schemeClr val="bg1"/>
-              </a:solidFill>
-            </a:ln>
-          </p:spPr>
-        </p:pic>
-        <p:sp>
-          <p:nvSpPr>
-            <p:cNvPr id="54" name="Arc 53">
-              <a:extLst>
-                <a:ext uri="{FF2B5EF4-FFF2-40B4-BE49-F238E27FC236}">
-                  <a16:creationId xmlns:a16="http://schemas.microsoft.com/office/drawing/2014/main" id="{1FE9E352-DAA7-2DEE-C1C3-0103368D133F}"/>
-                </a:ext>
-              </a:extLst>
-            </p:cNvPr>
-            <p:cNvSpPr/>
-            <p:nvPr/>
-          </p:nvSpPr>
-          <p:spPr>
-            <a:xfrm>
-              <a:off x="517625" y="6429375"/>
-              <a:ext cx="1080000" cy="1080000"/>
-            </a:xfrm>
-            <a:prstGeom prst="arc">
-              <a:avLst>
-                <a:gd name="adj1" fmla="val 14475979"/>
-                <a:gd name="adj2" fmla="val 18942760"/>
-              </a:avLst>
-            </a:prstGeom>
-            <a:ln w="101600">
-              <a:solidFill>
-                <a:schemeClr val="bg1"/>
-              </a:solidFill>
-            </a:ln>
-          </p:spPr>
-          <p:style>
-            <a:lnRef idx="2">
-              <a:schemeClr val="accent1"/>
-            </a:lnRef>
-            <a:fillRef idx="0">
-              <a:schemeClr val="accent1"/>
-            </a:fillRef>
-            <a:effectRef idx="1">
-              <a:schemeClr val="accent1"/>
-            </a:effectRef>
-            <a:fontRef idx="minor">
-              <a:schemeClr val="tx1"/>
-            </a:fontRef>
-          </p:style>
-          <p:txBody>
-            <a:bodyPr rtlCol="0" anchor="ctr"/>
-            <a:lstStyle/>
-            <a:p>
-              <a:pPr algn="ctr"/>
-              <a:endParaRPr lang="en-AU" dirty="0"/>
-            </a:p>
-          </p:txBody>
-        </p:sp>
-        <p:sp>
-          <p:nvSpPr>
-            <p:cNvPr id="55" name="Rectangle 54">
-              <a:extLst>
-                <a:ext uri="{FF2B5EF4-FFF2-40B4-BE49-F238E27FC236}">
-                  <a16:creationId xmlns:a16="http://schemas.microsoft.com/office/drawing/2014/main" id="{D93C4FC8-8FA7-2844-A006-EC112895B94B}"/>
-                </a:ext>
-              </a:extLst>
-            </p:cNvPr>
-            <p:cNvSpPr/>
-            <p:nvPr/>
-          </p:nvSpPr>
-          <p:spPr>
-            <a:xfrm rot="472811">
-              <a:off x="517625" y="6429376"/>
-              <a:ext cx="1080000" cy="1080000"/>
-            </a:xfrm>
-            <a:prstGeom prst="rect">
-              <a:avLst/>
-            </a:prstGeom>
-            <a:noFill/>
-          </p:spPr>
-          <p:txBody>
-            <a:bodyPr wrap="none" lIns="91440" tIns="45720" rIns="91440" bIns="45720">
-              <a:prstTxWarp prst="textArchUp">
-                <a:avLst>
-                  <a:gd name="adj" fmla="val 10115048"/>
-                </a:avLst>
-              </a:prstTxWarp>
-              <a:spAutoFit/>
-            </a:bodyPr>
-            <a:lstStyle/>
-            <a:p>
-              <a:pPr algn="ctr"/>
-              <a:r>
-                <a:rPr lang="en-US" sz="700" b="1" cap="none" spc="0" dirty="0">
-                  <a:ln w="0"/>
-                  <a:solidFill>
-                    <a:srgbClr val="156082"/>
-                  </a:solidFill>
-                </a:rPr>
-                <a:t>Aircraft design</a:t>
-              </a:r>
-            </a:p>
-          </p:txBody>
-        </p:sp>
-      </p:grpSp>
-      <p:grpSp>
-        <p:nvGrpSpPr>
-          <p:cNvPr id="60" name="Group 59">
-            <a:extLst>
-              <a:ext uri="{FF2B5EF4-FFF2-40B4-BE49-F238E27FC236}">
-                <a16:creationId xmlns:a16="http://schemas.microsoft.com/office/drawing/2014/main" id="{14F5DFE3-CED3-9D51-D9A8-853A3A8FF58E}"/>
-              </a:ext>
-            </a:extLst>
-          </p:cNvPr>
-          <p:cNvGrpSpPr/>
-          <p:nvPr/>
-        </p:nvGrpSpPr>
-        <p:grpSpPr>
-          <a:xfrm>
-            <a:off x="5698902" y="5491060"/>
-            <a:ext cx="1228508" cy="1209381"/>
-            <a:chOff x="439204" y="3814584"/>
-            <a:chExt cx="1228508" cy="1209381"/>
-          </a:xfrm>
-        </p:grpSpPr>
-        <p:pic>
-          <p:nvPicPr>
-            <p:cNvPr id="61" name="Picture 60" descr="A yellow robot with legs and legs&#10;&#10;Description automatically generated">
-              <a:extLst>
-                <a:ext uri="{FF2B5EF4-FFF2-40B4-BE49-F238E27FC236}">
-                  <a16:creationId xmlns:a16="http://schemas.microsoft.com/office/drawing/2014/main" id="{ACBCC2F4-5C4D-2DBF-0855-B83C137F3AB8}"/>
-                </a:ext>
-              </a:extLst>
-            </p:cNvPr>
-            <p:cNvPicPr>
-              <a:picLocks noChangeAspect="1"/>
-            </p:cNvPicPr>
-            <p:nvPr/>
-          </p:nvPicPr>
-          <p:blipFill>
-            <a:blip r:embed="rId11">
-              <a:extLst>
-                <a:ext uri="{28A0092B-C50C-407E-A947-70E740481C1C}">
-                  <a14:useLocalDpi xmlns:a14="http://schemas.microsoft.com/office/drawing/2010/main" val="0"/>
-                </a:ext>
-              </a:extLst>
-            </a:blip>
-            <a:srcRect l="1849" t="-23" r="21985" b="23"/>
-            <a:stretch/>
-          </p:blipFill>
-          <p:spPr>
-            <a:xfrm>
-              <a:off x="439204" y="3814584"/>
-              <a:ext cx="1228508" cy="1209381"/>
-            </a:xfrm>
-            <a:prstGeom prst="ellipse">
-              <a:avLst/>
-            </a:prstGeom>
-            <a:ln w="38100">
-              <a:solidFill>
-                <a:schemeClr val="bg1"/>
-              </a:solidFill>
-            </a:ln>
-          </p:spPr>
-        </p:pic>
-        <p:sp>
-          <p:nvSpPr>
-            <p:cNvPr id="62" name="Arc 61">
-              <a:extLst>
-                <a:ext uri="{FF2B5EF4-FFF2-40B4-BE49-F238E27FC236}">
-                  <a16:creationId xmlns:a16="http://schemas.microsoft.com/office/drawing/2014/main" id="{091458CD-9A8C-6A8A-D9E2-B2BF523491F3}"/>
-                </a:ext>
-              </a:extLst>
-            </p:cNvPr>
-            <p:cNvSpPr/>
-            <p:nvPr/>
-          </p:nvSpPr>
-          <p:spPr>
-            <a:xfrm rot="10964809">
-              <a:off x="493145" y="3844562"/>
-              <a:ext cx="1002905" cy="1100244"/>
-            </a:xfrm>
-            <a:prstGeom prst="arc">
-              <a:avLst>
-                <a:gd name="adj1" fmla="val 17364376"/>
-                <a:gd name="adj2" fmla="val 2565448"/>
-              </a:avLst>
-            </a:prstGeom>
-            <a:ln w="127000">
-              <a:solidFill>
-                <a:schemeClr val="bg1"/>
-              </a:solidFill>
-            </a:ln>
-          </p:spPr>
-          <p:style>
-            <a:lnRef idx="2">
-              <a:schemeClr val="accent1"/>
-            </a:lnRef>
-            <a:fillRef idx="0">
-              <a:schemeClr val="accent1"/>
-            </a:fillRef>
-            <a:effectRef idx="1">
-              <a:schemeClr val="accent1"/>
-            </a:effectRef>
-            <a:fontRef idx="minor">
-              <a:schemeClr val="tx1"/>
-            </a:fontRef>
-          </p:style>
-          <p:txBody>
-            <a:bodyPr rtlCol="0" anchor="ctr"/>
-            <a:lstStyle/>
-            <a:p>
-              <a:pPr algn="ctr"/>
-              <a:endParaRPr lang="en-AU" dirty="0"/>
-            </a:p>
-          </p:txBody>
-        </p:sp>
-        <p:sp>
-          <p:nvSpPr>
-            <p:cNvPr id="63" name="Rectangle 62">
-              <a:extLst>
-                <a:ext uri="{FF2B5EF4-FFF2-40B4-BE49-F238E27FC236}">
-                  <a16:creationId xmlns:a16="http://schemas.microsoft.com/office/drawing/2014/main" id="{94630003-4F5C-B41F-3FFC-6539722EEB33}"/>
-                </a:ext>
-              </a:extLst>
-            </p:cNvPr>
-            <p:cNvSpPr/>
-            <p:nvPr/>
-          </p:nvSpPr>
-          <p:spPr>
-            <a:xfrm rot="15588639">
-              <a:off x="477557" y="3914169"/>
-              <a:ext cx="1034080" cy="1021177"/>
-            </a:xfrm>
-            <a:prstGeom prst="rect">
-              <a:avLst/>
-            </a:prstGeom>
-            <a:noFill/>
-          </p:spPr>
-          <p:txBody>
-            <a:bodyPr wrap="none" lIns="91440" tIns="45720" rIns="91440" bIns="45720">
-              <a:prstTxWarp prst="textArchUp">
-                <a:avLst>
-                  <a:gd name="adj" fmla="val 13064215"/>
-                </a:avLst>
-              </a:prstTxWarp>
-              <a:spAutoFit/>
-            </a:bodyPr>
-            <a:lstStyle/>
-            <a:p>
-              <a:pPr algn="ctr"/>
-              <a:r>
-                <a:rPr lang="en-US" sz="700" b="1" cap="none" spc="0" dirty="0">
-                  <a:ln w="0"/>
-                  <a:solidFill>
-                    <a:srgbClr val="156082"/>
-                  </a:solidFill>
-                </a:rPr>
-                <a:t>Quadrupedal systems</a:t>
-              </a:r>
-            </a:p>
-          </p:txBody>
-        </p:sp>
-      </p:grpSp>
-      <p:grpSp>
-        <p:nvGrpSpPr>
-          <p:cNvPr id="68" name="Group 67">
-            <a:extLst>
-              <a:ext uri="{FF2B5EF4-FFF2-40B4-BE49-F238E27FC236}">
-                <a16:creationId xmlns:a16="http://schemas.microsoft.com/office/drawing/2014/main" id="{5A88C1B1-4E0C-C93B-5A5D-AE342F877E69}"/>
-              </a:ext>
-            </a:extLst>
-          </p:cNvPr>
-          <p:cNvGrpSpPr/>
-          <p:nvPr/>
-        </p:nvGrpSpPr>
-        <p:grpSpPr>
-          <a:xfrm>
-            <a:off x="5303504" y="7715040"/>
-            <a:ext cx="1502502" cy="1502113"/>
-            <a:chOff x="327270" y="5370799"/>
-            <a:chExt cx="1502502" cy="1502113"/>
-          </a:xfrm>
-        </p:grpSpPr>
-        <p:pic>
-          <p:nvPicPr>
-            <p:cNvPr id="69" name="Picture 68" descr="A close up of a drone&#10;&#10;Description automatically generated">
-              <a:extLst>
-                <a:ext uri="{FF2B5EF4-FFF2-40B4-BE49-F238E27FC236}">
-                  <a16:creationId xmlns:a16="http://schemas.microsoft.com/office/drawing/2014/main" id="{1AFD8E6A-A81C-0549-25E4-FEF5587B5297}"/>
-                </a:ext>
-              </a:extLst>
-            </p:cNvPr>
-            <p:cNvPicPr>
-              <a:picLocks noChangeAspect="1"/>
-            </p:cNvPicPr>
-            <p:nvPr/>
-          </p:nvPicPr>
-          <p:blipFill>
-            <a:blip r:embed="rId12">
-              <a:extLst>
-                <a:ext uri="{28A0092B-C50C-407E-A947-70E740481C1C}">
-                  <a14:useLocalDpi xmlns:a14="http://schemas.microsoft.com/office/drawing/2010/main" val="0"/>
-                </a:ext>
-              </a:extLst>
-            </a:blip>
-            <a:srcRect r="25000"/>
-            <a:stretch/>
-          </p:blipFill>
-          <p:spPr>
-            <a:xfrm>
-              <a:off x="327270" y="5370799"/>
-              <a:ext cx="1502502" cy="1502113"/>
-            </a:xfrm>
-            <a:prstGeom prst="ellipse">
-              <a:avLst/>
-            </a:prstGeom>
-            <a:ln w="38100">
-              <a:solidFill>
-                <a:schemeClr val="bg1"/>
-              </a:solidFill>
-            </a:ln>
-          </p:spPr>
-        </p:pic>
-        <p:sp>
-          <p:nvSpPr>
-            <p:cNvPr id="70" name="Arc 69">
-              <a:extLst>
-                <a:ext uri="{FF2B5EF4-FFF2-40B4-BE49-F238E27FC236}">
-                  <a16:creationId xmlns:a16="http://schemas.microsoft.com/office/drawing/2014/main" id="{70A9C4DB-4660-30B8-2863-95DE38346D80}"/>
-                </a:ext>
-              </a:extLst>
-            </p:cNvPr>
-            <p:cNvSpPr/>
-            <p:nvPr/>
-          </p:nvSpPr>
-          <p:spPr>
-            <a:xfrm rot="20788607">
-              <a:off x="327270" y="5401855"/>
-              <a:ext cx="1440000" cy="1440000"/>
-            </a:xfrm>
-            <a:prstGeom prst="arc">
-              <a:avLst>
-                <a:gd name="adj1" fmla="val 16789581"/>
-                <a:gd name="adj2" fmla="val 2565448"/>
-              </a:avLst>
-            </a:prstGeom>
-            <a:ln w="127000">
-              <a:solidFill>
-                <a:schemeClr val="bg1"/>
-              </a:solidFill>
-            </a:ln>
-          </p:spPr>
-          <p:style>
-            <a:lnRef idx="2">
-              <a:schemeClr val="accent1"/>
-            </a:lnRef>
-            <a:fillRef idx="0">
-              <a:schemeClr val="accent1"/>
-            </a:fillRef>
-            <a:effectRef idx="1">
-              <a:schemeClr val="accent1"/>
-            </a:effectRef>
-            <a:fontRef idx="minor">
-              <a:schemeClr val="tx1"/>
-            </a:fontRef>
-          </p:style>
-          <p:txBody>
-            <a:bodyPr rtlCol="0" anchor="ctr"/>
-            <a:lstStyle/>
-            <a:p>
-              <a:pPr algn="ctr"/>
-              <a:endParaRPr lang="en-AU" dirty="0"/>
-            </a:p>
-          </p:txBody>
-        </p:sp>
-        <p:sp>
-          <p:nvSpPr>
-            <p:cNvPr id="71" name="Rectangle 70">
-              <a:extLst>
-                <a:ext uri="{FF2B5EF4-FFF2-40B4-BE49-F238E27FC236}">
-                  <a16:creationId xmlns:a16="http://schemas.microsoft.com/office/drawing/2014/main" id="{90ECE006-27B8-6E17-49DA-701A0637F8BF}"/>
-                </a:ext>
-              </a:extLst>
-            </p:cNvPr>
-            <p:cNvSpPr/>
-            <p:nvPr/>
-          </p:nvSpPr>
-          <p:spPr>
-            <a:xfrm rot="3527167">
-              <a:off x="404611" y="5431369"/>
-              <a:ext cx="1370114" cy="1332000"/>
-            </a:xfrm>
-            <a:prstGeom prst="rect">
-              <a:avLst/>
-            </a:prstGeom>
-            <a:noFill/>
-          </p:spPr>
-          <p:txBody>
-            <a:bodyPr wrap="none" lIns="91440" tIns="45720" rIns="91440" bIns="45720">
-              <a:prstTxWarp prst="textArchUp">
-                <a:avLst>
-                  <a:gd name="adj" fmla="val 10115048"/>
-                </a:avLst>
-              </a:prstTxWarp>
-              <a:spAutoFit/>
-            </a:bodyPr>
-            <a:lstStyle/>
-            <a:p>
-              <a:pPr algn="ctr"/>
-              <a:r>
-                <a:rPr lang="en-US" sz="800" b="1" dirty="0">
-                  <a:ln w="0">
-                    <a:noFill/>
-                  </a:ln>
-                  <a:solidFill>
-                    <a:srgbClr val="156082"/>
-                  </a:solidFill>
-                  <a:effectLst/>
-                </a:rPr>
-                <a:t>Payload design and integration</a:t>
-              </a:r>
-              <a:endParaRPr lang="en-US" sz="800" b="1" cap="none" spc="0" dirty="0">
-                <a:ln w="0">
-                  <a:noFill/>
-                </a:ln>
-                <a:solidFill>
-                  <a:srgbClr val="156082"/>
-                </a:solidFill>
-                <a:effectLst/>
-              </a:endParaRPr>
-            </a:p>
-          </p:txBody>
-        </p:sp>
-      </p:grpSp>
-      <p:sp>
-        <p:nvSpPr>
-          <p:cNvPr id="18" name="Rectangle 17">
-            <a:extLst>
-              <a:ext uri="{FF2B5EF4-FFF2-40B4-BE49-F238E27FC236}">
-                <a16:creationId xmlns:a16="http://schemas.microsoft.com/office/drawing/2014/main" id="{694798E6-B904-4FC1-0269-7584FC10B80F}"/>
-              </a:ext>
-            </a:extLst>
-          </p:cNvPr>
-          <p:cNvSpPr/>
-          <p:nvPr/>
-        </p:nvSpPr>
-        <p:spPr>
-          <a:xfrm>
-            <a:off x="0" y="0"/>
-            <a:ext cx="6858000" cy="9144000"/>
-          </a:xfrm>
-          <a:prstGeom prst="rect">
-            <a:avLst/>
-          </a:prstGeom>
-          <a:noFill/>
-        </p:spPr>
-        <p:style>
-          <a:lnRef idx="2">
-            <a:schemeClr val="accent1">
-              <a:shade val="15000"/>
-            </a:schemeClr>
-          </a:lnRef>
-          <a:fillRef idx="1">
-            <a:schemeClr val="accent1"/>
-          </a:fillRef>
-          <a:effectRef idx="0">
-            <a:schemeClr val="accent1"/>
-          </a:effectRef>
-          <a:fontRef idx="minor">
-            <a:schemeClr val="lt1"/>
-          </a:fontRef>
-        </p:style>
-        <p:txBody>
-          <a:bodyPr rtlCol="0" anchor="ctr"/>
-          <a:lstStyle/>
-          <a:p>
-            <a:pPr algn="ctr"/>
-            <a:endParaRPr lang="en-AU"/>
-          </a:p>
-        </p:txBody>
-      </p:sp>
       <p:sp>
         <p:nvSpPr>
           <p:cNvPr id="12" name="Oval 11">
-            <a:hlinkClick r:id="rId8"/>
+            <a:hlinkClick r:id="rId6"/>
             <a:extLst>
               <a:ext uri="{FF2B5EF4-FFF2-40B4-BE49-F238E27FC236}">
                 <a16:creationId xmlns:a16="http://schemas.microsoft.com/office/drawing/2014/main" id="{119032A4-B320-84A2-34CB-5E0177F2D116}"/>
@@ -4930,7 +4520,7 @@
       <p:sp>
         <p:nvSpPr>
           <p:cNvPr id="14" name="Oval 13">
-            <a:hlinkClick r:id="rId13"/>
+            <a:hlinkClick r:id="rId7"/>
             <a:extLst>
               <a:ext uri="{FF2B5EF4-FFF2-40B4-BE49-F238E27FC236}">
                 <a16:creationId xmlns:a16="http://schemas.microsoft.com/office/drawing/2014/main" id="{E02A98B1-1797-3486-2CA0-D1092A0877D2}"/>
@@ -4981,7 +4571,7 @@
       <p:sp>
         <p:nvSpPr>
           <p:cNvPr id="15" name="Oval 14">
-            <a:hlinkClick r:id="rId14"/>
+            <a:hlinkClick r:id="rId8"/>
             <a:extLst>
               <a:ext uri="{FF2B5EF4-FFF2-40B4-BE49-F238E27FC236}">
                 <a16:creationId xmlns:a16="http://schemas.microsoft.com/office/drawing/2014/main" id="{B209D929-7106-38C4-EA17-CCB4C7C70436}"/>
@@ -5032,7 +4622,7 @@
       <p:sp>
         <p:nvSpPr>
           <p:cNvPr id="17" name="Oval 16">
-            <a:hlinkClick r:id="rId15"/>
+            <a:hlinkClick r:id="rId9"/>
             <a:extLst>
               <a:ext uri="{FF2B5EF4-FFF2-40B4-BE49-F238E27FC236}">
                 <a16:creationId xmlns:a16="http://schemas.microsoft.com/office/drawing/2014/main" id="{945A8FD4-54C9-C6C3-2F70-DEBFAE324453}"/>
@@ -5083,7 +4673,7 @@
       <p:sp>
         <p:nvSpPr>
           <p:cNvPr id="19" name="Oval 18">
-            <a:hlinkClick r:id="rId16"/>
+            <a:hlinkClick r:id="rId10"/>
             <a:extLst>
               <a:ext uri="{FF2B5EF4-FFF2-40B4-BE49-F238E27FC236}">
                 <a16:creationId xmlns:a16="http://schemas.microsoft.com/office/drawing/2014/main" id="{E6981BC5-3DBB-092C-4CC3-2FE7D8E01FE9}"/>
@@ -5128,6 +4718,1143 @@
           <a:p>
             <a:pPr algn="ctr"/>
             <a:endParaRPr lang="en-AU"/>
+          </a:p>
+        </p:txBody>
+      </p:sp>
+      <p:grpSp>
+        <p:nvGrpSpPr>
+          <p:cNvPr id="9" name="Group 8">
+            <a:extLst>
+              <a:ext uri="{FF2B5EF4-FFF2-40B4-BE49-F238E27FC236}">
+                <a16:creationId xmlns:a16="http://schemas.microsoft.com/office/drawing/2014/main" id="{7DFC4709-4BCD-5F44-C60A-E178991BB711}"/>
+              </a:ext>
+            </a:extLst>
+          </p:cNvPr>
+          <p:cNvGrpSpPr/>
+          <p:nvPr/>
+        </p:nvGrpSpPr>
+        <p:grpSpPr>
+          <a:xfrm>
+            <a:off x="4365200" y="-733998"/>
+            <a:ext cx="4320000" cy="4320000"/>
+            <a:chOff x="4365200" y="-733998"/>
+            <a:chExt cx="4320000" cy="4320000"/>
+          </a:xfrm>
+        </p:grpSpPr>
+        <p:pic>
+          <p:nvPicPr>
+            <p:cNvPr id="4" name="Picture 3" descr="A drone flying in the sky&#10;&#10;Description automatically generated">
+              <a:extLst>
+                <a:ext uri="{FF2B5EF4-FFF2-40B4-BE49-F238E27FC236}">
+                  <a16:creationId xmlns:a16="http://schemas.microsoft.com/office/drawing/2014/main" id="{F9DE9808-6CB9-033A-F5C2-E243FD91A468}"/>
+                </a:ext>
+              </a:extLst>
+            </p:cNvPr>
+            <p:cNvPicPr>
+              <a:picLocks/>
+            </p:cNvPicPr>
+            <p:nvPr/>
+          </p:nvPicPr>
+          <p:blipFill>
+            <a:blip r:embed="rId11">
+              <a:extLst>
+                <a:ext uri="{28A0092B-C50C-407E-A947-70E740481C1C}">
+                  <a14:useLocalDpi xmlns:a14="http://schemas.microsoft.com/office/drawing/2010/main" val="0"/>
+                </a:ext>
+              </a:extLst>
+            </a:blip>
+            <a:srcRect l="22500" t="9124" r="-22500" b="15815"/>
+            <a:stretch/>
+          </p:blipFill>
+          <p:spPr>
+            <a:xfrm>
+              <a:off x="4365200" y="-733998"/>
+              <a:ext cx="4320000" cy="4320000"/>
+            </a:xfrm>
+            <a:prstGeom prst="ellipse">
+              <a:avLst/>
+            </a:prstGeom>
+            <a:ln w="38100">
+              <a:solidFill>
+                <a:schemeClr val="bg1"/>
+              </a:solidFill>
+            </a:ln>
+          </p:spPr>
+        </p:pic>
+        <p:sp>
+          <p:nvSpPr>
+            <p:cNvPr id="5" name="Rectangle 4">
+              <a:extLst>
+                <a:ext uri="{FF2B5EF4-FFF2-40B4-BE49-F238E27FC236}">
+                  <a16:creationId xmlns:a16="http://schemas.microsoft.com/office/drawing/2014/main" id="{49A6DC88-2B73-439A-8012-93C8B4B78823}"/>
+                </a:ext>
+              </a:extLst>
+            </p:cNvPr>
+            <p:cNvSpPr/>
+            <p:nvPr/>
+          </p:nvSpPr>
+          <p:spPr>
+            <a:xfrm rot="16200000">
+              <a:off x="4455201" y="-643998"/>
+              <a:ext cx="4140000" cy="4140000"/>
+            </a:xfrm>
+            <a:prstGeom prst="rect">
+              <a:avLst/>
+            </a:prstGeom>
+            <a:noFill/>
+          </p:spPr>
+          <p:txBody>
+            <a:bodyPr wrap="none" lIns="91440" tIns="45720" rIns="91440" bIns="45720">
+              <a:prstTxWarp prst="textArchUp">
+                <a:avLst>
+                  <a:gd name="adj" fmla="val 10115048"/>
+                </a:avLst>
+              </a:prstTxWarp>
+              <a:spAutoFit/>
+            </a:bodyPr>
+            <a:lstStyle/>
+            <a:p>
+              <a:pPr algn="ctr"/>
+              <a:r>
+                <a:rPr lang="en-US" sz="1050" b="1" cap="none" spc="0" dirty="0" err="1">
+                  <a:ln w="0">
+                    <a:noFill/>
+                  </a:ln>
+                  <a:solidFill>
+                    <a:srgbClr val="FFFFFF"/>
+                  </a:solidFill>
+                  <a:highlight>
+                    <a:srgbClr val="FFFFFF"/>
+                  </a:highlight>
+                </a:rPr>
+                <a:t>x</a:t>
+              </a:r>
+              <a:r>
+                <a:rPr lang="en-US" sz="1050" b="1" cap="none" spc="0" dirty="0" err="1">
+                  <a:ln w="0">
+                    <a:noFill/>
+                  </a:ln>
+                  <a:solidFill>
+                    <a:srgbClr val="156082"/>
+                  </a:solidFill>
+                  <a:highlight>
+                    <a:srgbClr val="FFFFFF"/>
+                  </a:highlight>
+                </a:rPr>
+                <a:t>Gas</a:t>
+              </a:r>
+              <a:r>
+                <a:rPr lang="en-US" sz="1050" b="1" cap="none" spc="0" dirty="0">
+                  <a:ln w="0">
+                    <a:noFill/>
+                  </a:ln>
+                  <a:solidFill>
+                    <a:srgbClr val="156082"/>
+                  </a:solidFill>
+                  <a:highlight>
+                    <a:srgbClr val="FFFFFF"/>
+                  </a:highlight>
+                </a:rPr>
+                <a:t> sampler design for volcanic </a:t>
+              </a:r>
+              <a:r>
+                <a:rPr lang="en-US" sz="1050" b="1" cap="none" spc="0" dirty="0" err="1">
+                  <a:ln w="0">
+                    <a:noFill/>
+                  </a:ln>
+                  <a:solidFill>
+                    <a:srgbClr val="156082"/>
+                  </a:solidFill>
+                  <a:highlight>
+                    <a:srgbClr val="FFFFFF"/>
+                  </a:highlight>
+                </a:rPr>
+                <a:t>fumaroles</a:t>
+              </a:r>
+              <a:r>
+                <a:rPr lang="en-US" sz="1050" b="1" cap="none" spc="0" dirty="0" err="1">
+                  <a:ln w="0">
+                    <a:noFill/>
+                  </a:ln>
+                  <a:solidFill>
+                    <a:srgbClr val="FFFFFF"/>
+                  </a:solidFill>
+                  <a:highlight>
+                    <a:srgbClr val="FFFFFF"/>
+                  </a:highlight>
+                </a:rPr>
+                <a:t>x</a:t>
+              </a:r>
+              <a:endParaRPr lang="en-US" sz="1050" b="1" cap="none" spc="0" dirty="0">
+                <a:ln w="0">
+                  <a:noFill/>
+                </a:ln>
+                <a:solidFill>
+                  <a:srgbClr val="FFFFFF"/>
+                </a:solidFill>
+                <a:highlight>
+                  <a:srgbClr val="FFFFFF"/>
+                </a:highlight>
+              </a:endParaRPr>
+            </a:p>
+          </p:txBody>
+        </p:sp>
+      </p:grpSp>
+      <p:grpSp>
+        <p:nvGrpSpPr>
+          <p:cNvPr id="8" name="Group 7">
+            <a:extLst>
+              <a:ext uri="{FF2B5EF4-FFF2-40B4-BE49-F238E27FC236}">
+                <a16:creationId xmlns:a16="http://schemas.microsoft.com/office/drawing/2014/main" id="{FDE722CC-25CE-5754-CB93-4A62EEB09927}"/>
+              </a:ext>
+            </a:extLst>
+          </p:cNvPr>
+          <p:cNvGrpSpPr/>
+          <p:nvPr/>
+        </p:nvGrpSpPr>
+        <p:grpSpPr>
+          <a:xfrm>
+            <a:off x="4238199" y="2636335"/>
+            <a:ext cx="2626214" cy="2628000"/>
+            <a:chOff x="4238199" y="2636335"/>
+            <a:chExt cx="2626214" cy="2628000"/>
+          </a:xfrm>
+        </p:grpSpPr>
+        <p:pic>
+          <p:nvPicPr>
+            <p:cNvPr id="6" name="Picture 5" descr="A race car on a track&#10;&#10;Description automatically generated">
+              <a:extLst>
+                <a:ext uri="{FF2B5EF4-FFF2-40B4-BE49-F238E27FC236}">
+                  <a16:creationId xmlns:a16="http://schemas.microsoft.com/office/drawing/2014/main" id="{1AFFEAD2-1689-3C04-B2F4-D4B9D12BFC05}"/>
+                </a:ext>
+              </a:extLst>
+            </p:cNvPr>
+            <p:cNvPicPr>
+              <a:picLocks/>
+            </p:cNvPicPr>
+            <p:nvPr/>
+          </p:nvPicPr>
+          <p:blipFill>
+            <a:blip r:embed="rId12">
+              <a:extLst>
+                <a:ext uri="{28A0092B-C50C-407E-A947-70E740481C1C}">
+                  <a14:useLocalDpi xmlns:a14="http://schemas.microsoft.com/office/drawing/2010/main" val="0"/>
+                </a:ext>
+              </a:extLst>
+            </a:blip>
+            <a:srcRect l="4258" t="31260" r="60691" b="21951"/>
+            <a:stretch/>
+          </p:blipFill>
+          <p:spPr>
+            <a:xfrm>
+              <a:off x="4238199" y="2636335"/>
+              <a:ext cx="2626214" cy="2628000"/>
+            </a:xfrm>
+            <a:prstGeom prst="ellipse">
+              <a:avLst/>
+            </a:prstGeom>
+            <a:ln w="38100">
+              <a:solidFill>
+                <a:schemeClr val="bg1"/>
+              </a:solidFill>
+            </a:ln>
+          </p:spPr>
+        </p:pic>
+        <p:sp>
+          <p:nvSpPr>
+            <p:cNvPr id="7" name="Rectangle 6">
+              <a:extLst>
+                <a:ext uri="{FF2B5EF4-FFF2-40B4-BE49-F238E27FC236}">
+                  <a16:creationId xmlns:a16="http://schemas.microsoft.com/office/drawing/2014/main" id="{72455AEF-732C-30D2-FFC4-B4BFA1EA870F}"/>
+                </a:ext>
+              </a:extLst>
+            </p:cNvPr>
+            <p:cNvSpPr/>
+            <p:nvPr/>
+          </p:nvSpPr>
+          <p:spPr>
+            <a:xfrm rot="344063">
+              <a:off x="4327306" y="2728788"/>
+              <a:ext cx="2448000" cy="2443095"/>
+            </a:xfrm>
+            <a:prstGeom prst="rect">
+              <a:avLst/>
+            </a:prstGeom>
+            <a:noFill/>
+          </p:spPr>
+          <p:txBody>
+            <a:bodyPr wrap="none" lIns="91440" tIns="45720" rIns="91440" bIns="45720">
+              <a:prstTxWarp prst="textArchUp">
+                <a:avLst>
+                  <a:gd name="adj" fmla="val 10115048"/>
+                </a:avLst>
+              </a:prstTxWarp>
+              <a:spAutoFit/>
+            </a:bodyPr>
+            <a:lstStyle/>
+            <a:p>
+              <a:pPr algn="ctr"/>
+              <a:r>
+                <a:rPr lang="en-US" sz="1050" b="1" cap="none" spc="0" dirty="0" err="1">
+                  <a:ln w="0"/>
+                  <a:solidFill>
+                    <a:srgbClr val="FFFFFF"/>
+                  </a:solidFill>
+                  <a:highlight>
+                    <a:srgbClr val="FFFFFF"/>
+                  </a:highlight>
+                </a:rPr>
+                <a:t>x</a:t>
+              </a:r>
+              <a:r>
+                <a:rPr lang="en-US" sz="1050" b="1" cap="none" spc="0" dirty="0" err="1">
+                  <a:ln w="0"/>
+                  <a:solidFill>
+                    <a:srgbClr val="156082"/>
+                  </a:solidFill>
+                  <a:highlight>
+                    <a:srgbClr val="FFFFFF"/>
+                  </a:highlight>
+                </a:rPr>
+                <a:t>System</a:t>
+              </a:r>
+              <a:r>
+                <a:rPr lang="en-US" sz="1050" b="1" cap="none" spc="0" dirty="0">
+                  <a:ln w="0"/>
+                  <a:solidFill>
+                    <a:srgbClr val="156082"/>
+                  </a:solidFill>
+                  <a:highlight>
+                    <a:srgbClr val="FFFFFF"/>
+                  </a:highlight>
+                </a:rPr>
+                <a:t> architecture and team </a:t>
+              </a:r>
+              <a:r>
+                <a:rPr lang="en-US" sz="1050" b="1" cap="none" spc="0" dirty="0" err="1">
+                  <a:ln w="0"/>
+                  <a:solidFill>
+                    <a:srgbClr val="156082"/>
+                  </a:solidFill>
+                  <a:highlight>
+                    <a:srgbClr val="FFFFFF"/>
+                  </a:highlight>
+                </a:rPr>
+                <a:t>management</a:t>
+              </a:r>
+              <a:r>
+                <a:rPr lang="en-US" sz="1050" b="1" cap="none" spc="0" dirty="0" err="1">
+                  <a:ln w="0"/>
+                  <a:solidFill>
+                    <a:srgbClr val="FFFFFF"/>
+                  </a:solidFill>
+                  <a:highlight>
+                    <a:srgbClr val="FFFFFF"/>
+                  </a:highlight>
+                </a:rPr>
+                <a:t>x</a:t>
+              </a:r>
+              <a:endParaRPr lang="en-US" sz="1050" b="1" cap="none" spc="0" dirty="0">
+                <a:ln w="0"/>
+                <a:solidFill>
+                  <a:srgbClr val="FFFFFF"/>
+                </a:solidFill>
+                <a:highlight>
+                  <a:srgbClr val="FFFFFF"/>
+                </a:highlight>
+              </a:endParaRPr>
+            </a:p>
+          </p:txBody>
+        </p:sp>
+      </p:grpSp>
+      <p:grpSp>
+        <p:nvGrpSpPr>
+          <p:cNvPr id="11" name="Group 10">
+            <a:extLst>
+              <a:ext uri="{FF2B5EF4-FFF2-40B4-BE49-F238E27FC236}">
+                <a16:creationId xmlns:a16="http://schemas.microsoft.com/office/drawing/2014/main" id="{6E0B5303-3F36-2CDB-872A-DE187FC5989D}"/>
+              </a:ext>
+            </a:extLst>
+          </p:cNvPr>
+          <p:cNvGrpSpPr/>
+          <p:nvPr/>
+        </p:nvGrpSpPr>
+        <p:grpSpPr>
+          <a:xfrm>
+            <a:off x="5710156" y="4418050"/>
+            <a:ext cx="1206000" cy="1204804"/>
+            <a:chOff x="5700866" y="4398173"/>
+            <a:chExt cx="1206000" cy="1204804"/>
+          </a:xfrm>
+        </p:grpSpPr>
+        <p:pic>
+          <p:nvPicPr>
+            <p:cNvPr id="13" name="Picture 12" descr="A large airplane flying over a fence&#10;&#10;Description automatically generated">
+              <a:extLst>
+                <a:ext uri="{FF2B5EF4-FFF2-40B4-BE49-F238E27FC236}">
+                  <a16:creationId xmlns:a16="http://schemas.microsoft.com/office/drawing/2014/main" id="{1AF3C87C-E46D-D51B-8360-2378CD2164F8}"/>
+                </a:ext>
+              </a:extLst>
+            </p:cNvPr>
+            <p:cNvPicPr>
+              <a:picLocks/>
+            </p:cNvPicPr>
+            <p:nvPr/>
+          </p:nvPicPr>
+          <p:blipFill>
+            <a:blip r:embed="rId13">
+              <a:extLst>
+                <a:ext uri="{28A0092B-C50C-407E-A947-70E740481C1C}">
+                  <a14:useLocalDpi xmlns:a14="http://schemas.microsoft.com/office/drawing/2010/main" val="0"/>
+                </a:ext>
+              </a:extLst>
+            </a:blip>
+            <a:srcRect l="21090" t="16145" r="31445" b="16110"/>
+            <a:stretch/>
+          </p:blipFill>
+          <p:spPr>
+            <a:xfrm>
+              <a:off x="5700866" y="4398173"/>
+              <a:ext cx="1206000" cy="1204804"/>
+            </a:xfrm>
+            <a:prstGeom prst="ellipse">
+              <a:avLst/>
+            </a:prstGeom>
+            <a:ln w="38100">
+              <a:solidFill>
+                <a:schemeClr val="bg1"/>
+              </a:solidFill>
+            </a:ln>
+          </p:spPr>
+        </p:pic>
+        <p:sp>
+          <p:nvSpPr>
+            <p:cNvPr id="20" name="Rectangle 19">
+              <a:extLst>
+                <a:ext uri="{FF2B5EF4-FFF2-40B4-BE49-F238E27FC236}">
+                  <a16:creationId xmlns:a16="http://schemas.microsoft.com/office/drawing/2014/main" id="{F26DDAD7-3CD2-AA7A-EC77-D7AA1C917CF8}"/>
+                </a:ext>
+              </a:extLst>
+            </p:cNvPr>
+            <p:cNvSpPr/>
+            <p:nvPr/>
+          </p:nvSpPr>
+          <p:spPr>
+            <a:xfrm rot="472811">
+              <a:off x="5763866" y="4460575"/>
+              <a:ext cx="1080000" cy="1080000"/>
+            </a:xfrm>
+            <a:prstGeom prst="rect">
+              <a:avLst/>
+            </a:prstGeom>
+            <a:noFill/>
+          </p:spPr>
+          <p:txBody>
+            <a:bodyPr wrap="none" lIns="91440" tIns="45720" rIns="91440" bIns="45720">
+              <a:prstTxWarp prst="textArchUp">
+                <a:avLst>
+                  <a:gd name="adj" fmla="val 10115048"/>
+                </a:avLst>
+              </a:prstTxWarp>
+              <a:spAutoFit/>
+            </a:bodyPr>
+            <a:lstStyle/>
+            <a:p>
+              <a:pPr algn="ctr"/>
+              <a:r>
+                <a:rPr lang="en-US" sz="700" b="1" cap="none" spc="0" dirty="0" err="1">
+                  <a:ln w="0"/>
+                  <a:solidFill>
+                    <a:srgbClr val="FFFFFF"/>
+                  </a:solidFill>
+                  <a:highlight>
+                    <a:srgbClr val="FFFFFF"/>
+                  </a:highlight>
+                </a:rPr>
+                <a:t>x</a:t>
+              </a:r>
+              <a:r>
+                <a:rPr lang="en-US" sz="700" b="1" cap="none" spc="0" dirty="0" err="1">
+                  <a:ln w="0"/>
+                  <a:solidFill>
+                    <a:srgbClr val="156082"/>
+                  </a:solidFill>
+                  <a:highlight>
+                    <a:srgbClr val="FFFFFF"/>
+                  </a:highlight>
+                </a:rPr>
+                <a:t>Aircraft</a:t>
+              </a:r>
+              <a:r>
+                <a:rPr lang="en-US" sz="700" b="1" cap="none" spc="0" dirty="0">
+                  <a:ln w="0"/>
+                  <a:solidFill>
+                    <a:srgbClr val="156082"/>
+                  </a:solidFill>
+                  <a:highlight>
+                    <a:srgbClr val="FFFFFF"/>
+                  </a:highlight>
+                </a:rPr>
+                <a:t> </a:t>
+              </a:r>
+              <a:r>
+                <a:rPr lang="en-US" sz="700" b="1" cap="none" spc="0" dirty="0" err="1">
+                  <a:ln w="0"/>
+                  <a:solidFill>
+                    <a:srgbClr val="156082"/>
+                  </a:solidFill>
+                  <a:highlight>
+                    <a:srgbClr val="FFFFFF"/>
+                  </a:highlight>
+                </a:rPr>
+                <a:t>design</a:t>
+              </a:r>
+              <a:r>
+                <a:rPr lang="en-US" sz="700" b="1" cap="none" spc="0" dirty="0" err="1">
+                  <a:ln w="0"/>
+                  <a:solidFill>
+                    <a:srgbClr val="FFFFFF"/>
+                  </a:solidFill>
+                  <a:highlight>
+                    <a:srgbClr val="FFFFFF"/>
+                  </a:highlight>
+                </a:rPr>
+                <a:t>x</a:t>
+              </a:r>
+              <a:endParaRPr lang="en-US" sz="700" b="1" cap="none" spc="0" dirty="0">
+                <a:ln w="0"/>
+                <a:solidFill>
+                  <a:srgbClr val="FFFFFF"/>
+                </a:solidFill>
+                <a:highlight>
+                  <a:srgbClr val="FFFFFF"/>
+                </a:highlight>
+              </a:endParaRPr>
+            </a:p>
+          </p:txBody>
+        </p:sp>
+      </p:grpSp>
+      <p:grpSp>
+        <p:nvGrpSpPr>
+          <p:cNvPr id="21" name="Group 20">
+            <a:extLst>
+              <a:ext uri="{FF2B5EF4-FFF2-40B4-BE49-F238E27FC236}">
+                <a16:creationId xmlns:a16="http://schemas.microsoft.com/office/drawing/2014/main" id="{24FB0A04-5874-C850-0740-96BDA6DBDCBB}"/>
+              </a:ext>
+            </a:extLst>
+          </p:cNvPr>
+          <p:cNvGrpSpPr/>
+          <p:nvPr/>
+        </p:nvGrpSpPr>
+        <p:grpSpPr>
+          <a:xfrm>
+            <a:off x="4096544" y="4752810"/>
+            <a:ext cx="1836000" cy="1836000"/>
+            <a:chOff x="4096544" y="4752810"/>
+            <a:chExt cx="1836000" cy="1836000"/>
+          </a:xfrm>
+        </p:grpSpPr>
+        <p:pic>
+          <p:nvPicPr>
+            <p:cNvPr id="24" name="Picture 23" descr="A small boat in the water&#10;&#10;Description automatically generated">
+              <a:extLst>
+                <a:ext uri="{FF2B5EF4-FFF2-40B4-BE49-F238E27FC236}">
+                  <a16:creationId xmlns:a16="http://schemas.microsoft.com/office/drawing/2014/main" id="{399C97DC-0183-9A07-3096-EBC6A446752F}"/>
+                </a:ext>
+              </a:extLst>
+            </p:cNvPr>
+            <p:cNvPicPr>
+              <a:picLocks/>
+            </p:cNvPicPr>
+            <p:nvPr/>
+          </p:nvPicPr>
+          <p:blipFill>
+            <a:blip r:embed="rId14">
+              <a:extLst>
+                <a:ext uri="{28A0092B-C50C-407E-A947-70E740481C1C}">
+                  <a14:useLocalDpi xmlns:a14="http://schemas.microsoft.com/office/drawing/2010/main" val="0"/>
+                </a:ext>
+              </a:extLst>
+            </a:blip>
+            <a:srcRect l="37672" t="22235" r="9375" b="7266"/>
+            <a:stretch/>
+          </p:blipFill>
+          <p:spPr>
+            <a:xfrm>
+              <a:off x="4096544" y="4752810"/>
+              <a:ext cx="1836000" cy="1836000"/>
+            </a:xfrm>
+            <a:prstGeom prst="ellipse">
+              <a:avLst/>
+            </a:prstGeom>
+            <a:ln w="38100">
+              <a:solidFill>
+                <a:schemeClr val="bg1"/>
+              </a:solidFill>
+            </a:ln>
+          </p:spPr>
+        </p:pic>
+        <p:sp>
+          <p:nvSpPr>
+            <p:cNvPr id="26" name="Rectangle 25">
+              <a:extLst>
+                <a:ext uri="{FF2B5EF4-FFF2-40B4-BE49-F238E27FC236}">
+                  <a16:creationId xmlns:a16="http://schemas.microsoft.com/office/drawing/2014/main" id="{964C98D1-60B1-2C0E-2C49-960009A33B66}"/>
+                </a:ext>
+              </a:extLst>
+            </p:cNvPr>
+            <p:cNvSpPr>
+              <a:spLocks noChangeAspect="1"/>
+            </p:cNvSpPr>
+            <p:nvPr/>
+          </p:nvSpPr>
+          <p:spPr>
+            <a:xfrm rot="15588639">
+              <a:off x="4168544" y="4824810"/>
+              <a:ext cx="1692000" cy="1692000"/>
+            </a:xfrm>
+            <a:prstGeom prst="rect">
+              <a:avLst/>
+            </a:prstGeom>
+            <a:noFill/>
+          </p:spPr>
+          <p:txBody>
+            <a:bodyPr wrap="none" lIns="91440" tIns="45720" rIns="91440" bIns="45720">
+              <a:prstTxWarp prst="textArchUp">
+                <a:avLst>
+                  <a:gd name="adj" fmla="val 10115048"/>
+                </a:avLst>
+              </a:prstTxWarp>
+              <a:spAutoFit/>
+            </a:bodyPr>
+            <a:lstStyle/>
+            <a:p>
+              <a:pPr algn="ctr"/>
+              <a:r>
+                <a:rPr lang="en-US" sz="800" b="1" cap="none" spc="0" dirty="0" err="1">
+                  <a:ln w="0">
+                    <a:noFill/>
+                  </a:ln>
+                  <a:solidFill>
+                    <a:srgbClr val="FFFFFF"/>
+                  </a:solidFill>
+                  <a:highlight>
+                    <a:srgbClr val="FFFFFF"/>
+                  </a:highlight>
+                </a:rPr>
+                <a:t>x</a:t>
+              </a:r>
+              <a:r>
+                <a:rPr lang="en-US" sz="800" b="1" cap="none" spc="0" dirty="0" err="1">
+                  <a:ln w="0">
+                    <a:noFill/>
+                  </a:ln>
+                  <a:solidFill>
+                    <a:srgbClr val="156082"/>
+                  </a:solidFill>
+                  <a:highlight>
+                    <a:srgbClr val="FFFFFF"/>
+                  </a:highlight>
+                </a:rPr>
+                <a:t>Payload</a:t>
+              </a:r>
+              <a:r>
+                <a:rPr lang="en-US" sz="800" b="1" cap="none" spc="0" dirty="0">
+                  <a:ln w="0">
+                    <a:noFill/>
+                  </a:ln>
+                  <a:solidFill>
+                    <a:srgbClr val="156082"/>
+                  </a:solidFill>
+                  <a:highlight>
+                    <a:srgbClr val="FFFFFF"/>
+                  </a:highlight>
+                </a:rPr>
+                <a:t> design and </a:t>
+              </a:r>
+              <a:r>
+                <a:rPr lang="en-US" sz="800" b="1" cap="none" spc="0" dirty="0" err="1">
+                  <a:ln w="0">
+                    <a:noFill/>
+                  </a:ln>
+                  <a:solidFill>
+                    <a:srgbClr val="156082"/>
+                  </a:solidFill>
+                  <a:highlight>
+                    <a:srgbClr val="FFFFFF"/>
+                  </a:highlight>
+                </a:rPr>
+                <a:t>operations</a:t>
+              </a:r>
+              <a:r>
+                <a:rPr lang="en-US" sz="800" b="1" cap="none" spc="0" dirty="0" err="1">
+                  <a:ln w="0">
+                    <a:noFill/>
+                  </a:ln>
+                  <a:solidFill>
+                    <a:srgbClr val="FFFFFF"/>
+                  </a:solidFill>
+                  <a:highlight>
+                    <a:srgbClr val="FFFFFF"/>
+                  </a:highlight>
+                </a:rPr>
+                <a:t>x</a:t>
+              </a:r>
+              <a:endParaRPr lang="en-US" sz="800" b="1" cap="none" spc="0" dirty="0">
+                <a:ln w="0">
+                  <a:noFill/>
+                </a:ln>
+                <a:solidFill>
+                  <a:srgbClr val="FFFFFF"/>
+                </a:solidFill>
+                <a:highlight>
+                  <a:srgbClr val="FFFFFF"/>
+                </a:highlight>
+              </a:endParaRPr>
+            </a:p>
+          </p:txBody>
+        </p:sp>
+      </p:grpSp>
+      <p:grpSp>
+        <p:nvGrpSpPr>
+          <p:cNvPr id="27" name="Group 26">
+            <a:extLst>
+              <a:ext uri="{FF2B5EF4-FFF2-40B4-BE49-F238E27FC236}">
+                <a16:creationId xmlns:a16="http://schemas.microsoft.com/office/drawing/2014/main" id="{7196C740-CE69-8EAB-60EF-7D29894B0375}"/>
+              </a:ext>
+            </a:extLst>
+          </p:cNvPr>
+          <p:cNvGrpSpPr/>
+          <p:nvPr/>
+        </p:nvGrpSpPr>
+        <p:grpSpPr>
+          <a:xfrm>
+            <a:off x="5717080" y="5410361"/>
+            <a:ext cx="1224000" cy="1224000"/>
+            <a:chOff x="5526190" y="5433868"/>
+            <a:chExt cx="1224000" cy="1224000"/>
+          </a:xfrm>
+        </p:grpSpPr>
+        <p:pic>
+          <p:nvPicPr>
+            <p:cNvPr id="29" name="Picture 28" descr="A yellow robot with legs and legs&#10;&#10;Description automatically generated">
+              <a:extLst>
+                <a:ext uri="{FF2B5EF4-FFF2-40B4-BE49-F238E27FC236}">
+                  <a16:creationId xmlns:a16="http://schemas.microsoft.com/office/drawing/2014/main" id="{F08705F5-C5AF-6D78-F3D0-034EB3F9EEAC}"/>
+                </a:ext>
+              </a:extLst>
+            </p:cNvPr>
+            <p:cNvPicPr>
+              <a:picLocks/>
+            </p:cNvPicPr>
+            <p:nvPr/>
+          </p:nvPicPr>
+          <p:blipFill>
+            <a:blip r:embed="rId15">
+              <a:extLst>
+                <a:ext uri="{28A0092B-C50C-407E-A947-70E740481C1C}">
+                  <a14:useLocalDpi xmlns:a14="http://schemas.microsoft.com/office/drawing/2010/main" val="0"/>
+                </a:ext>
+              </a:extLst>
+            </a:blip>
+            <a:srcRect l="1849" t="-23" r="21985" b="23"/>
+            <a:stretch/>
+          </p:blipFill>
+          <p:spPr>
+            <a:xfrm>
+              <a:off x="5526190" y="5433868"/>
+              <a:ext cx="1224000" cy="1224000"/>
+            </a:xfrm>
+            <a:prstGeom prst="ellipse">
+              <a:avLst/>
+            </a:prstGeom>
+            <a:ln w="38100">
+              <a:solidFill>
+                <a:schemeClr val="bg1"/>
+              </a:solidFill>
+            </a:ln>
+          </p:spPr>
+        </p:pic>
+        <p:sp>
+          <p:nvSpPr>
+            <p:cNvPr id="31" name="Rectangle 30">
+              <a:extLst>
+                <a:ext uri="{FF2B5EF4-FFF2-40B4-BE49-F238E27FC236}">
+                  <a16:creationId xmlns:a16="http://schemas.microsoft.com/office/drawing/2014/main" id="{F6FDC24D-0A0A-B216-DE33-3D0A2D673508}"/>
+                </a:ext>
+              </a:extLst>
+            </p:cNvPr>
+            <p:cNvSpPr>
+              <a:spLocks noChangeAspect="1"/>
+            </p:cNvSpPr>
+            <p:nvPr/>
+          </p:nvSpPr>
+          <p:spPr>
+            <a:xfrm rot="15588639">
+              <a:off x="5562190" y="5469868"/>
+              <a:ext cx="1152000" cy="1152000"/>
+            </a:xfrm>
+            <a:prstGeom prst="rect">
+              <a:avLst/>
+            </a:prstGeom>
+            <a:noFill/>
+          </p:spPr>
+          <p:txBody>
+            <a:bodyPr wrap="none" lIns="91440" tIns="45720" rIns="91440" bIns="45720">
+              <a:prstTxWarp prst="textArchUp">
+                <a:avLst>
+                  <a:gd name="adj" fmla="val 13064215"/>
+                </a:avLst>
+              </a:prstTxWarp>
+              <a:spAutoFit/>
+            </a:bodyPr>
+            <a:lstStyle/>
+            <a:p>
+              <a:pPr algn="ctr"/>
+              <a:r>
+                <a:rPr lang="en-US" sz="700" b="1" cap="none" spc="0" dirty="0" err="1">
+                  <a:ln w="0"/>
+                  <a:solidFill>
+                    <a:srgbClr val="FFFFFF"/>
+                  </a:solidFill>
+                  <a:highlight>
+                    <a:srgbClr val="FFFFFF"/>
+                  </a:highlight>
+                </a:rPr>
+                <a:t>x</a:t>
+              </a:r>
+              <a:r>
+                <a:rPr lang="en-US" sz="700" b="1" cap="none" spc="0" dirty="0" err="1">
+                  <a:ln w="0"/>
+                  <a:solidFill>
+                    <a:srgbClr val="156082"/>
+                  </a:solidFill>
+                  <a:highlight>
+                    <a:srgbClr val="FFFFFF"/>
+                  </a:highlight>
+                </a:rPr>
+                <a:t>Quadrupedal</a:t>
+              </a:r>
+              <a:r>
+                <a:rPr lang="en-US" sz="700" b="1" cap="none" spc="0" dirty="0">
+                  <a:ln w="0"/>
+                  <a:solidFill>
+                    <a:srgbClr val="156082"/>
+                  </a:solidFill>
+                  <a:highlight>
+                    <a:srgbClr val="FFFFFF"/>
+                  </a:highlight>
+                </a:rPr>
+                <a:t> </a:t>
+              </a:r>
+              <a:r>
+                <a:rPr lang="en-US" sz="700" b="1" cap="none" spc="0" dirty="0" err="1">
+                  <a:ln w="0"/>
+                  <a:solidFill>
+                    <a:srgbClr val="156082"/>
+                  </a:solidFill>
+                  <a:highlight>
+                    <a:srgbClr val="FFFFFF"/>
+                  </a:highlight>
+                </a:rPr>
+                <a:t>systems</a:t>
+              </a:r>
+              <a:r>
+                <a:rPr lang="en-US" sz="700" b="1" cap="none" spc="0" dirty="0" err="1">
+                  <a:ln w="0"/>
+                  <a:solidFill>
+                    <a:srgbClr val="FFFFFF"/>
+                  </a:solidFill>
+                  <a:highlight>
+                    <a:srgbClr val="FFFFFF"/>
+                  </a:highlight>
+                </a:rPr>
+                <a:t>x</a:t>
+              </a:r>
+              <a:endParaRPr lang="en-US" sz="700" b="1" cap="none" spc="0" dirty="0">
+                <a:ln w="0"/>
+                <a:solidFill>
+                  <a:srgbClr val="FFFFFF"/>
+                </a:solidFill>
+                <a:highlight>
+                  <a:srgbClr val="FFFFFF"/>
+                </a:highlight>
+              </a:endParaRPr>
+            </a:p>
+          </p:txBody>
+        </p:sp>
+      </p:grpSp>
+      <p:grpSp>
+        <p:nvGrpSpPr>
+          <p:cNvPr id="35" name="Group 34">
+            <a:extLst>
+              <a:ext uri="{FF2B5EF4-FFF2-40B4-BE49-F238E27FC236}">
+                <a16:creationId xmlns:a16="http://schemas.microsoft.com/office/drawing/2014/main" id="{DA8B5B49-F9B1-51CC-DC60-53FA92D34CB8}"/>
+              </a:ext>
+            </a:extLst>
+          </p:cNvPr>
+          <p:cNvGrpSpPr/>
+          <p:nvPr/>
+        </p:nvGrpSpPr>
+        <p:grpSpPr>
+          <a:xfrm>
+            <a:off x="5245610" y="7696227"/>
+            <a:ext cx="1502502" cy="1502113"/>
+            <a:chOff x="5247631" y="7700395"/>
+            <a:chExt cx="1502502" cy="1502113"/>
+          </a:xfrm>
+        </p:grpSpPr>
+        <p:pic>
+          <p:nvPicPr>
+            <p:cNvPr id="37" name="Picture 36" descr="A close up of a drone&#10;&#10;Description automatically generated">
+              <a:extLst>
+                <a:ext uri="{FF2B5EF4-FFF2-40B4-BE49-F238E27FC236}">
+                  <a16:creationId xmlns:a16="http://schemas.microsoft.com/office/drawing/2014/main" id="{7057331C-1609-45DF-F874-4E5980C20BD7}"/>
+                </a:ext>
+              </a:extLst>
+            </p:cNvPr>
+            <p:cNvPicPr>
+              <a:picLocks noChangeAspect="1"/>
+            </p:cNvPicPr>
+            <p:nvPr/>
+          </p:nvPicPr>
+          <p:blipFill>
+            <a:blip r:embed="rId16">
+              <a:extLst>
+                <a:ext uri="{28A0092B-C50C-407E-A947-70E740481C1C}">
+                  <a14:useLocalDpi xmlns:a14="http://schemas.microsoft.com/office/drawing/2010/main" val="0"/>
+                </a:ext>
+              </a:extLst>
+            </a:blip>
+            <a:srcRect r="25000"/>
+            <a:stretch/>
+          </p:blipFill>
+          <p:spPr>
+            <a:xfrm>
+              <a:off x="5247631" y="7700395"/>
+              <a:ext cx="1502502" cy="1502113"/>
+            </a:xfrm>
+            <a:prstGeom prst="ellipse">
+              <a:avLst/>
+            </a:prstGeom>
+            <a:ln w="38100">
+              <a:solidFill>
+                <a:schemeClr val="bg1"/>
+              </a:solidFill>
+            </a:ln>
+          </p:spPr>
+        </p:pic>
+        <p:sp>
+          <p:nvSpPr>
+            <p:cNvPr id="38" name="Rectangle 37">
+              <a:extLst>
+                <a:ext uri="{FF2B5EF4-FFF2-40B4-BE49-F238E27FC236}">
+                  <a16:creationId xmlns:a16="http://schemas.microsoft.com/office/drawing/2014/main" id="{CD577A98-BAF0-1776-A051-65E5FD94977F}"/>
+                </a:ext>
+              </a:extLst>
+            </p:cNvPr>
+            <p:cNvSpPr>
+              <a:spLocks noChangeAspect="1"/>
+            </p:cNvSpPr>
+            <p:nvPr/>
+          </p:nvSpPr>
+          <p:spPr>
+            <a:xfrm rot="3527167">
+              <a:off x="5314882" y="7767451"/>
+              <a:ext cx="1368000" cy="1368000"/>
+            </a:xfrm>
+            <a:prstGeom prst="rect">
+              <a:avLst/>
+            </a:prstGeom>
+            <a:noFill/>
+          </p:spPr>
+          <p:txBody>
+            <a:bodyPr wrap="none" lIns="91440" tIns="45720" rIns="91440" bIns="45720">
+              <a:prstTxWarp prst="textArchUp">
+                <a:avLst>
+                  <a:gd name="adj" fmla="val 10115048"/>
+                </a:avLst>
+              </a:prstTxWarp>
+              <a:spAutoFit/>
+            </a:bodyPr>
+            <a:lstStyle/>
+            <a:p>
+              <a:pPr algn="ctr"/>
+              <a:r>
+                <a:rPr lang="en-US" sz="800" b="1" dirty="0" err="1">
+                  <a:ln w="0">
+                    <a:noFill/>
+                  </a:ln>
+                  <a:solidFill>
+                    <a:srgbClr val="FFFFFF"/>
+                  </a:solidFill>
+                  <a:effectLst/>
+                  <a:highlight>
+                    <a:srgbClr val="FFFFFF"/>
+                  </a:highlight>
+                </a:rPr>
+                <a:t>x</a:t>
+              </a:r>
+              <a:r>
+                <a:rPr lang="en-US" sz="800" b="1" dirty="0" err="1">
+                  <a:ln w="0">
+                    <a:noFill/>
+                  </a:ln>
+                  <a:solidFill>
+                    <a:srgbClr val="156082"/>
+                  </a:solidFill>
+                  <a:effectLst/>
+                  <a:highlight>
+                    <a:srgbClr val="FFFFFF"/>
+                  </a:highlight>
+                </a:rPr>
+                <a:t>Payload</a:t>
+              </a:r>
+              <a:r>
+                <a:rPr lang="en-US" sz="800" b="1" dirty="0">
+                  <a:ln w="0">
+                    <a:noFill/>
+                  </a:ln>
+                  <a:solidFill>
+                    <a:srgbClr val="156082"/>
+                  </a:solidFill>
+                  <a:effectLst/>
+                  <a:highlight>
+                    <a:srgbClr val="FFFFFF"/>
+                  </a:highlight>
+                </a:rPr>
+                <a:t> design and </a:t>
+              </a:r>
+              <a:r>
+                <a:rPr lang="en-US" sz="800" b="1" dirty="0" err="1">
+                  <a:ln w="0">
+                    <a:noFill/>
+                  </a:ln>
+                  <a:solidFill>
+                    <a:srgbClr val="156082"/>
+                  </a:solidFill>
+                  <a:effectLst/>
+                  <a:highlight>
+                    <a:srgbClr val="FFFFFF"/>
+                  </a:highlight>
+                </a:rPr>
+                <a:t>integration</a:t>
+              </a:r>
+              <a:r>
+                <a:rPr lang="en-US" sz="800" b="1" dirty="0" err="1">
+                  <a:ln w="0">
+                    <a:noFill/>
+                  </a:ln>
+                  <a:solidFill>
+                    <a:srgbClr val="FFFFFF"/>
+                  </a:solidFill>
+                  <a:effectLst/>
+                  <a:highlight>
+                    <a:srgbClr val="FFFFFF"/>
+                  </a:highlight>
+                </a:rPr>
+                <a:t>x</a:t>
+              </a:r>
+              <a:endParaRPr lang="en-US" sz="800" b="1" cap="none" spc="0" dirty="0">
+                <a:ln w="0">
+                  <a:noFill/>
+                </a:ln>
+                <a:solidFill>
+                  <a:srgbClr val="FFFFFF"/>
+                </a:solidFill>
+                <a:effectLst/>
+                <a:highlight>
+                  <a:srgbClr val="FFFFFF"/>
+                </a:highlight>
+              </a:endParaRPr>
+            </a:p>
+          </p:txBody>
+        </p:sp>
+      </p:grpSp>
+      <p:sp>
+        <p:nvSpPr>
+          <p:cNvPr id="18" name="Rectangle 17">
+            <a:extLst>
+              <a:ext uri="{FF2B5EF4-FFF2-40B4-BE49-F238E27FC236}">
+                <a16:creationId xmlns:a16="http://schemas.microsoft.com/office/drawing/2014/main" id="{694798E6-B904-4FC1-0269-7584FC10B80F}"/>
+              </a:ext>
+            </a:extLst>
+          </p:cNvPr>
+          <p:cNvSpPr/>
+          <p:nvPr/>
+        </p:nvSpPr>
+        <p:spPr>
+          <a:xfrm>
+            <a:off x="0" y="0"/>
+            <a:ext cx="6858000" cy="9144000"/>
+          </a:xfrm>
+          <a:prstGeom prst="rect">
+            <a:avLst/>
+          </a:prstGeom>
+          <a:noFill/>
+        </p:spPr>
+        <p:style>
+          <a:lnRef idx="2">
+            <a:schemeClr val="accent1">
+              <a:shade val="15000"/>
+            </a:schemeClr>
+          </a:lnRef>
+          <a:fillRef idx="1">
+            <a:schemeClr val="accent1"/>
+          </a:fillRef>
+          <a:effectRef idx="0">
+            <a:schemeClr val="accent1"/>
+          </a:effectRef>
+          <a:fontRef idx="minor">
+            <a:schemeClr val="lt1"/>
+          </a:fontRef>
+        </p:style>
+        <p:txBody>
+          <a:bodyPr rtlCol="0" anchor="ctr"/>
+          <a:lstStyle/>
+          <a:p>
+            <a:pPr algn="ctr"/>
+            <a:endParaRPr lang="en-AU"/>
+          </a:p>
+        </p:txBody>
+      </p:sp>
+      <p:sp>
+        <p:nvSpPr>
+          <p:cNvPr id="40" name="TextBox 39">
+            <a:extLst>
+              <a:ext uri="{FF2B5EF4-FFF2-40B4-BE49-F238E27FC236}">
+                <a16:creationId xmlns:a16="http://schemas.microsoft.com/office/drawing/2014/main" id="{367A151F-9E92-F728-E9EE-BF9000E034A4}"/>
+              </a:ext>
+            </a:extLst>
+          </p:cNvPr>
+          <p:cNvSpPr txBox="1"/>
+          <p:nvPr/>
+        </p:nvSpPr>
+        <p:spPr>
+          <a:xfrm>
+            <a:off x="-48475" y="8993974"/>
+            <a:ext cx="2932530" cy="169277"/>
+          </a:xfrm>
+          <a:prstGeom prst="rect">
+            <a:avLst/>
+          </a:prstGeom>
+          <a:noFill/>
+        </p:spPr>
+        <p:txBody>
+          <a:bodyPr wrap="square" rtlCol="0">
+            <a:spAutoFit/>
+          </a:bodyPr>
+          <a:lstStyle/>
+          <a:p>
+            <a:r>
+              <a:rPr lang="en-AU" sz="500" dirty="0"/>
+              <a:t>Last Updated: </a:t>
+            </a:r>
+            <a:fld id="{EF9C1AC8-3C27-4FF3-847C-683E7292868B}" type="datetime1">
+              <a:rPr lang="en-AU" sz="500" smtClean="0"/>
+              <a:t>10/05/2025</a:t>
+            </a:fld>
+            <a:endParaRPr lang="en-AU" sz="500" dirty="0"/>
           </a:p>
         </p:txBody>
       </p:sp>
@@ -5457,4 +6184,634 @@
     </a:ext>
   </a:extLst>
 </a:theme>
+</file>
+
+<file path=ppt/theme/theme2.xml><?xml version="1.0" encoding="utf-8"?>
+<a:theme xmlns:a="http://schemas.openxmlformats.org/drawingml/2006/main" name="Office Theme">
+  <a:themeElements>
+    <a:clrScheme name="Office">
+      <a:dk1>
+        <a:sysClr val="windowText" lastClr="000000"/>
+      </a:dk1>
+      <a:lt1>
+        <a:sysClr val="window" lastClr="FFFFFF"/>
+      </a:lt1>
+      <a:dk2>
+        <a:srgbClr val="0E2841"/>
+      </a:dk2>
+      <a:lt2>
+        <a:srgbClr val="E8E8E8"/>
+      </a:lt2>
+      <a:accent1>
+        <a:srgbClr val="156082"/>
+      </a:accent1>
+      <a:accent2>
+        <a:srgbClr val="E97132"/>
+      </a:accent2>
+      <a:accent3>
+        <a:srgbClr val="196B24"/>
+      </a:accent3>
+      <a:accent4>
+        <a:srgbClr val="0F9ED5"/>
+      </a:accent4>
+      <a:accent5>
+        <a:srgbClr val="A02B93"/>
+      </a:accent5>
+      <a:accent6>
+        <a:srgbClr val="4EA72E"/>
+      </a:accent6>
+      <a:hlink>
+        <a:srgbClr val="467886"/>
+      </a:hlink>
+      <a:folHlink>
+        <a:srgbClr val="96607D"/>
+      </a:folHlink>
+    </a:clrScheme>
+    <a:fontScheme name="Office">
+      <a:majorFont>
+        <a:latin typeface="Aptos Display" panose="02110004020202020204"/>
+        <a:ea typeface=""/>
+        <a:cs typeface=""/>
+        <a:font script="Jpan" typeface="游ゴシック Light"/>
+        <a:font script="Hang" typeface="맑은 고딕"/>
+        <a:font script="Hans" typeface="等线 Light"/>
+        <a:font script="Hant" typeface="新細明體"/>
+        <a:font script="Arab" typeface="Times New Roman"/>
+        <a:font script="Hebr" typeface="Times New Roman"/>
+        <a:font script="Thai" typeface="Angsana New"/>
+        <a:font script="Ethi" typeface="Nyala"/>
+        <a:font script="Beng" typeface="Vrinda"/>
+        <a:font script="Gujr" typeface="Shruti"/>
+        <a:font script="Khmr" typeface="MoolBoran"/>
+        <a:font script="Knda" typeface="Tunga"/>
+        <a:font script="Guru" typeface="Raavi"/>
+        <a:font script="Cans" typeface="Euphemia"/>
+        <a:font script="Cher" typeface="Plantagenet Cherokee"/>
+        <a:font script="Yiii" typeface="Microsoft Yi Baiti"/>
+        <a:font script="Tibt" typeface="Microsoft Himalaya"/>
+        <a:font script="Thaa" typeface="MV Boli"/>
+        <a:font script="Deva" typeface="Mangal"/>
+        <a:font script="Telu" typeface="Gautami"/>
+        <a:font script="Taml" typeface="Latha"/>
+        <a:font script="Syrc" typeface="Estrangelo Edessa"/>
+        <a:font script="Orya" typeface="Kalinga"/>
+        <a:font script="Mlym" typeface="Kartika"/>
+        <a:font script="Laoo" typeface="DokChampa"/>
+        <a:font script="Sinh" typeface="Iskoola Pota"/>
+        <a:font script="Mong" typeface="Mongolian Baiti"/>
+        <a:font script="Viet" typeface="Times New Roman"/>
+        <a:font script="Uigh" typeface="Microsoft Uighur"/>
+        <a:font script="Geor" typeface="Sylfaen"/>
+        <a:font script="Armn" typeface="Arial"/>
+        <a:font script="Bugi" typeface="Leelawadee UI"/>
+        <a:font script="Bopo" typeface="Microsoft JhengHei"/>
+        <a:font script="Java" typeface="Javanese Text"/>
+        <a:font script="Lisu" typeface="Segoe UI"/>
+        <a:font script="Mymr" typeface="Myanmar Text"/>
+        <a:font script="Nkoo" typeface="Ebrima"/>
+        <a:font script="Olck" typeface="Nirmala UI"/>
+        <a:font script="Osma" typeface="Ebrima"/>
+        <a:font script="Phag" typeface="Phagspa"/>
+        <a:font script="Syrn" typeface="Estrangelo Edessa"/>
+        <a:font script="Syrj" typeface="Estrangelo Edessa"/>
+        <a:font script="Syre" typeface="Estrangelo Edessa"/>
+        <a:font script="Sora" typeface="Nirmala UI"/>
+        <a:font script="Tale" typeface="Microsoft Tai Le"/>
+        <a:font script="Talu" typeface="Microsoft New Tai Lue"/>
+        <a:font script="Tfng" typeface="Ebrima"/>
+      </a:majorFont>
+      <a:minorFont>
+        <a:latin typeface="Aptos" panose="02110004020202020204"/>
+        <a:ea typeface=""/>
+        <a:cs typeface=""/>
+        <a:font script="Jpan" typeface="游ゴシック"/>
+        <a:font script="Hang" typeface="맑은 고딕"/>
+        <a:font script="Hans" typeface="等线"/>
+        <a:font script="Hant" typeface="新細明體"/>
+        <a:font script="Arab" typeface="Arial"/>
+        <a:font script="Hebr" typeface="Arial"/>
+        <a:font script="Thai" typeface="Cordia New"/>
+        <a:font script="Ethi" typeface="Nyala"/>
+        <a:font script="Beng" typeface="Vrinda"/>
+        <a:font script="Gujr" typeface="Shruti"/>
+        <a:font script="Khmr" typeface="DaunPenh"/>
+        <a:font script="Knda" typeface="Tunga"/>
+        <a:font script="Guru" typeface="Raavi"/>
+        <a:font script="Cans" typeface="Euphemia"/>
+        <a:font script="Cher" typeface="Plantagenet Cherokee"/>
+        <a:font script="Yiii" typeface="Microsoft Yi Baiti"/>
+        <a:font script="Tibt" typeface="Microsoft Himalaya"/>
+        <a:font script="Thaa" typeface="MV Boli"/>
+        <a:font script="Deva" typeface="Mangal"/>
+        <a:font script="Telu" typeface="Gautami"/>
+        <a:font script="Taml" typeface="Latha"/>
+        <a:font script="Syrc" typeface="Estrangelo Edessa"/>
+        <a:font script="Orya" typeface="Kalinga"/>
+        <a:font script="Mlym" typeface="Kartika"/>
+        <a:font script="Laoo" typeface="DokChampa"/>
+        <a:font script="Sinh" typeface="Iskoola Pota"/>
+        <a:font script="Mong" typeface="Mongolian Baiti"/>
+        <a:font script="Viet" typeface="Arial"/>
+        <a:font script="Uigh" typeface="Microsoft Uighur"/>
+        <a:font script="Geor" typeface="Sylfaen"/>
+        <a:font script="Armn" typeface="Arial"/>
+        <a:font script="Bugi" typeface="Leelawadee UI"/>
+        <a:font script="Bopo" typeface="Microsoft JhengHei"/>
+        <a:font script="Java" typeface="Javanese Text"/>
+        <a:font script="Lisu" typeface="Segoe UI"/>
+        <a:font script="Mymr" typeface="Myanmar Text"/>
+        <a:font script="Nkoo" typeface="Ebrima"/>
+        <a:font script="Olck" typeface="Nirmala UI"/>
+        <a:font script="Osma" typeface="Ebrima"/>
+        <a:font script="Phag" typeface="Phagspa"/>
+        <a:font script="Syrn" typeface="Estrangelo Edessa"/>
+        <a:font script="Syrj" typeface="Estrangelo Edessa"/>
+        <a:font script="Syre" typeface="Estrangelo Edessa"/>
+        <a:font script="Sora" typeface="Nirmala UI"/>
+        <a:font script="Tale" typeface="Microsoft Tai Le"/>
+        <a:font script="Talu" typeface="Microsoft New Tai Lue"/>
+        <a:font script="Tfng" typeface="Ebrima"/>
+      </a:minorFont>
+    </a:fontScheme>
+    <a:fmtScheme name="Office">
+      <a:fillStyleLst>
+        <a:solidFill>
+          <a:schemeClr val="phClr"/>
+        </a:solidFill>
+        <a:gradFill rotWithShape="1">
+          <a:gsLst>
+            <a:gs pos="0">
+              <a:schemeClr val="phClr">
+                <a:lumMod val="110000"/>
+                <a:satMod val="105000"/>
+                <a:tint val="67000"/>
+              </a:schemeClr>
+            </a:gs>
+            <a:gs pos="50000">
+              <a:schemeClr val="phClr">
+                <a:lumMod val="105000"/>
+                <a:satMod val="103000"/>
+                <a:tint val="73000"/>
+              </a:schemeClr>
+            </a:gs>
+            <a:gs pos="100000">
+              <a:schemeClr val="phClr">
+                <a:lumMod val="105000"/>
+                <a:satMod val="109000"/>
+                <a:tint val="81000"/>
+              </a:schemeClr>
+            </a:gs>
+          </a:gsLst>
+          <a:lin ang="5400000" scaled="0"/>
+        </a:gradFill>
+        <a:gradFill rotWithShape="1">
+          <a:gsLst>
+            <a:gs pos="0">
+              <a:schemeClr val="phClr">
+                <a:satMod val="103000"/>
+                <a:lumMod val="102000"/>
+                <a:tint val="94000"/>
+              </a:schemeClr>
+            </a:gs>
+            <a:gs pos="50000">
+              <a:schemeClr val="phClr">
+                <a:satMod val="110000"/>
+                <a:lumMod val="100000"/>
+                <a:shade val="100000"/>
+              </a:schemeClr>
+            </a:gs>
+            <a:gs pos="100000">
+              <a:schemeClr val="phClr">
+                <a:lumMod val="99000"/>
+                <a:satMod val="120000"/>
+                <a:shade val="78000"/>
+              </a:schemeClr>
+            </a:gs>
+          </a:gsLst>
+          <a:lin ang="5400000" scaled="0"/>
+        </a:gradFill>
+      </a:fillStyleLst>
+      <a:lnStyleLst>
+        <a:ln w="12700" cap="flat" cmpd="sng" algn="ctr">
+          <a:solidFill>
+            <a:schemeClr val="phClr"/>
+          </a:solidFill>
+          <a:prstDash val="solid"/>
+          <a:miter lim="800000"/>
+        </a:ln>
+        <a:ln w="19050" cap="flat" cmpd="sng" algn="ctr">
+          <a:solidFill>
+            <a:schemeClr val="phClr"/>
+          </a:solidFill>
+          <a:prstDash val="solid"/>
+          <a:miter lim="800000"/>
+        </a:ln>
+        <a:ln w="25400" cap="flat" cmpd="sng" algn="ctr">
+          <a:solidFill>
+            <a:schemeClr val="phClr"/>
+          </a:solidFill>
+          <a:prstDash val="solid"/>
+          <a:miter lim="800000"/>
+        </a:ln>
+      </a:lnStyleLst>
+      <a:effectStyleLst>
+        <a:effectStyle>
+          <a:effectLst/>
+        </a:effectStyle>
+        <a:effectStyle>
+          <a:effectLst/>
+        </a:effectStyle>
+        <a:effectStyle>
+          <a:effectLst>
+            <a:outerShdw blurRad="57150" dist="19050" dir="5400000" algn="ctr" rotWithShape="0">
+              <a:srgbClr val="000000">
+                <a:alpha val="63000"/>
+              </a:srgbClr>
+            </a:outerShdw>
+          </a:effectLst>
+        </a:effectStyle>
+      </a:effectStyleLst>
+      <a:bgFillStyleLst>
+        <a:solidFill>
+          <a:schemeClr val="phClr"/>
+        </a:solidFill>
+        <a:solidFill>
+          <a:schemeClr val="phClr">
+            <a:tint val="95000"/>
+            <a:satMod val="170000"/>
+          </a:schemeClr>
+        </a:solidFill>
+        <a:gradFill rotWithShape="1">
+          <a:gsLst>
+            <a:gs pos="0">
+              <a:schemeClr val="phClr">
+                <a:tint val="93000"/>
+                <a:satMod val="150000"/>
+                <a:shade val="98000"/>
+                <a:lumMod val="102000"/>
+              </a:schemeClr>
+            </a:gs>
+            <a:gs pos="50000">
+              <a:schemeClr val="phClr">
+                <a:tint val="98000"/>
+                <a:satMod val="130000"/>
+                <a:shade val="90000"/>
+                <a:lumMod val="103000"/>
+              </a:schemeClr>
+            </a:gs>
+            <a:gs pos="100000">
+              <a:schemeClr val="phClr">
+                <a:shade val="63000"/>
+                <a:satMod val="120000"/>
+              </a:schemeClr>
+            </a:gs>
+          </a:gsLst>
+          <a:lin ang="5400000" scaled="0"/>
+        </a:gradFill>
+      </a:bgFillStyleLst>
+    </a:fmtScheme>
+  </a:themeElements>
+  <a:objectDefaults>
+    <a:lnDef>
+      <a:spPr/>
+      <a:bodyPr/>
+      <a:lstStyle/>
+      <a:style>
+        <a:lnRef idx="2">
+          <a:schemeClr val="accent1"/>
+        </a:lnRef>
+        <a:fillRef idx="0">
+          <a:schemeClr val="accent1"/>
+        </a:fillRef>
+        <a:effectRef idx="1">
+          <a:schemeClr val="accent1"/>
+        </a:effectRef>
+        <a:fontRef idx="minor">
+          <a:schemeClr val="tx1"/>
+        </a:fontRef>
+      </a:style>
+    </a:lnDef>
+  </a:objectDefaults>
+  <a:extraClrSchemeLst/>
+  <a:extLst>
+    <a:ext uri="{05A4C25C-085E-4340-85A3-A5531E510DB2}">
+      <thm15:themeFamily xmlns:thm15="http://schemas.microsoft.com/office/thememl/2012/main" name="Office Theme" id="{2E142A2C-CD16-42D6-873A-C26D2A0506FA}" vid="{1BDDFF52-6CD6-40A5-AB3C-68EB2F1E4D0A}"/>
+    </a:ext>
+  </a:extLst>
+</a:theme>
+</file>
+
+<file path=ppt/theme/theme3.xml><?xml version="1.0" encoding="utf-8"?>
+<a:theme xmlns:a="http://schemas.openxmlformats.org/drawingml/2006/main" name="Office Theme">
+  <a:themeElements>
+    <a:clrScheme name="Office">
+      <a:dk1>
+        <a:sysClr val="windowText" lastClr="000000"/>
+      </a:dk1>
+      <a:lt1>
+        <a:sysClr val="window" lastClr="FFFFFF"/>
+      </a:lt1>
+      <a:dk2>
+        <a:srgbClr val="0E2841"/>
+      </a:dk2>
+      <a:lt2>
+        <a:srgbClr val="E8E8E8"/>
+      </a:lt2>
+      <a:accent1>
+        <a:srgbClr val="156082"/>
+      </a:accent1>
+      <a:accent2>
+        <a:srgbClr val="E97132"/>
+      </a:accent2>
+      <a:accent3>
+        <a:srgbClr val="196B24"/>
+      </a:accent3>
+      <a:accent4>
+        <a:srgbClr val="0F9ED5"/>
+      </a:accent4>
+      <a:accent5>
+        <a:srgbClr val="A02B93"/>
+      </a:accent5>
+      <a:accent6>
+        <a:srgbClr val="4EA72E"/>
+      </a:accent6>
+      <a:hlink>
+        <a:srgbClr val="467886"/>
+      </a:hlink>
+      <a:folHlink>
+        <a:srgbClr val="96607D"/>
+      </a:folHlink>
+    </a:clrScheme>
+    <a:fontScheme name="Office">
+      <a:majorFont>
+        <a:latin typeface="Aptos Display" panose="02110004020202020204"/>
+        <a:ea typeface=""/>
+        <a:cs typeface=""/>
+        <a:font script="Jpan" typeface="游ゴシック Light"/>
+        <a:font script="Hang" typeface="맑은 고딕"/>
+        <a:font script="Hans" typeface="等线 Light"/>
+        <a:font script="Hant" typeface="新細明體"/>
+        <a:font script="Arab" typeface="Times New Roman"/>
+        <a:font script="Hebr" typeface="Times New Roman"/>
+        <a:font script="Thai" typeface="Angsana New"/>
+        <a:font script="Ethi" typeface="Nyala"/>
+        <a:font script="Beng" typeface="Vrinda"/>
+        <a:font script="Gujr" typeface="Shruti"/>
+        <a:font script="Khmr" typeface="MoolBoran"/>
+        <a:font script="Knda" typeface="Tunga"/>
+        <a:font script="Guru" typeface="Raavi"/>
+        <a:font script="Cans" typeface="Euphemia"/>
+        <a:font script="Cher" typeface="Plantagenet Cherokee"/>
+        <a:font script="Yiii" typeface="Microsoft Yi Baiti"/>
+        <a:font script="Tibt" typeface="Microsoft Himalaya"/>
+        <a:font script="Thaa" typeface="MV Boli"/>
+        <a:font script="Deva" typeface="Mangal"/>
+        <a:font script="Telu" typeface="Gautami"/>
+        <a:font script="Taml" typeface="Latha"/>
+        <a:font script="Syrc" typeface="Estrangelo Edessa"/>
+        <a:font script="Orya" typeface="Kalinga"/>
+        <a:font script="Mlym" typeface="Kartika"/>
+        <a:font script="Laoo" typeface="DokChampa"/>
+        <a:font script="Sinh" typeface="Iskoola Pota"/>
+        <a:font script="Mong" typeface="Mongolian Baiti"/>
+        <a:font script="Viet" typeface="Times New Roman"/>
+        <a:font script="Uigh" typeface="Microsoft Uighur"/>
+        <a:font script="Geor" typeface="Sylfaen"/>
+        <a:font script="Armn" typeface="Arial"/>
+        <a:font script="Bugi" typeface="Leelawadee UI"/>
+        <a:font script="Bopo" typeface="Microsoft JhengHei"/>
+        <a:font script="Java" typeface="Javanese Text"/>
+        <a:font script="Lisu" typeface="Segoe UI"/>
+        <a:font script="Mymr" typeface="Myanmar Text"/>
+        <a:font script="Nkoo" typeface="Ebrima"/>
+        <a:font script="Olck" typeface="Nirmala UI"/>
+        <a:font script="Osma" typeface="Ebrima"/>
+        <a:font script="Phag" typeface="Phagspa"/>
+        <a:font script="Syrn" typeface="Estrangelo Edessa"/>
+        <a:font script="Syrj" typeface="Estrangelo Edessa"/>
+        <a:font script="Syre" typeface="Estrangelo Edessa"/>
+        <a:font script="Sora" typeface="Nirmala UI"/>
+        <a:font script="Tale" typeface="Microsoft Tai Le"/>
+        <a:font script="Talu" typeface="Microsoft New Tai Lue"/>
+        <a:font script="Tfng" typeface="Ebrima"/>
+      </a:majorFont>
+      <a:minorFont>
+        <a:latin typeface="Aptos" panose="02110004020202020204"/>
+        <a:ea typeface=""/>
+        <a:cs typeface=""/>
+        <a:font script="Jpan" typeface="游ゴシック"/>
+        <a:font script="Hang" typeface="맑은 고딕"/>
+        <a:font script="Hans" typeface="等线"/>
+        <a:font script="Hant" typeface="新細明體"/>
+        <a:font script="Arab" typeface="Arial"/>
+        <a:font script="Hebr" typeface="Arial"/>
+        <a:font script="Thai" typeface="Cordia New"/>
+        <a:font script="Ethi" typeface="Nyala"/>
+        <a:font script="Beng" typeface="Vrinda"/>
+        <a:font script="Gujr" typeface="Shruti"/>
+        <a:font script="Khmr" typeface="DaunPenh"/>
+        <a:font script="Knda" typeface="Tunga"/>
+        <a:font script="Guru" typeface="Raavi"/>
+        <a:font script="Cans" typeface="Euphemia"/>
+        <a:font script="Cher" typeface="Plantagenet Cherokee"/>
+        <a:font script="Yiii" typeface="Microsoft Yi Baiti"/>
+        <a:font script="Tibt" typeface="Microsoft Himalaya"/>
+        <a:font script="Thaa" typeface="MV Boli"/>
+        <a:font script="Deva" typeface="Mangal"/>
+        <a:font script="Telu" typeface="Gautami"/>
+        <a:font script="Taml" typeface="Latha"/>
+        <a:font script="Syrc" typeface="Estrangelo Edessa"/>
+        <a:font script="Orya" typeface="Kalinga"/>
+        <a:font script="Mlym" typeface="Kartika"/>
+        <a:font script="Laoo" typeface="DokChampa"/>
+        <a:font script="Sinh" typeface="Iskoola Pota"/>
+        <a:font script="Mong" typeface="Mongolian Baiti"/>
+        <a:font script="Viet" typeface="Arial"/>
+        <a:font script="Uigh" typeface="Microsoft Uighur"/>
+        <a:font script="Geor" typeface="Sylfaen"/>
+        <a:font script="Armn" typeface="Arial"/>
+        <a:font script="Bugi" typeface="Leelawadee UI"/>
+        <a:font script="Bopo" typeface="Microsoft JhengHei"/>
+        <a:font script="Java" typeface="Javanese Text"/>
+        <a:font script="Lisu" typeface="Segoe UI"/>
+        <a:font script="Mymr" typeface="Myanmar Text"/>
+        <a:font script="Nkoo" typeface="Ebrima"/>
+        <a:font script="Olck" typeface="Nirmala UI"/>
+        <a:font script="Osma" typeface="Ebrima"/>
+        <a:font script="Phag" typeface="Phagspa"/>
+        <a:font script="Syrn" typeface="Estrangelo Edessa"/>
+        <a:font script="Syrj" typeface="Estrangelo Edessa"/>
+        <a:font script="Syre" typeface="Estrangelo Edessa"/>
+        <a:font script="Sora" typeface="Nirmala UI"/>
+        <a:font script="Tale" typeface="Microsoft Tai Le"/>
+        <a:font script="Talu" typeface="Microsoft New Tai Lue"/>
+        <a:font script="Tfng" typeface="Ebrima"/>
+      </a:minorFont>
+    </a:fontScheme>
+    <a:fmtScheme name="Office">
+      <a:fillStyleLst>
+        <a:solidFill>
+          <a:schemeClr val="phClr"/>
+        </a:solidFill>
+        <a:gradFill rotWithShape="1">
+          <a:gsLst>
+            <a:gs pos="0">
+              <a:schemeClr val="phClr">
+                <a:lumMod val="110000"/>
+                <a:satMod val="105000"/>
+                <a:tint val="67000"/>
+              </a:schemeClr>
+            </a:gs>
+            <a:gs pos="50000">
+              <a:schemeClr val="phClr">
+                <a:lumMod val="105000"/>
+                <a:satMod val="103000"/>
+                <a:tint val="73000"/>
+              </a:schemeClr>
+            </a:gs>
+            <a:gs pos="100000">
+              <a:schemeClr val="phClr">
+                <a:lumMod val="105000"/>
+                <a:satMod val="109000"/>
+                <a:tint val="81000"/>
+              </a:schemeClr>
+            </a:gs>
+          </a:gsLst>
+          <a:lin ang="5400000" scaled="0"/>
+        </a:gradFill>
+        <a:gradFill rotWithShape="1">
+          <a:gsLst>
+            <a:gs pos="0">
+              <a:schemeClr val="phClr">
+                <a:satMod val="103000"/>
+                <a:lumMod val="102000"/>
+                <a:tint val="94000"/>
+              </a:schemeClr>
+            </a:gs>
+            <a:gs pos="50000">
+              <a:schemeClr val="phClr">
+                <a:satMod val="110000"/>
+                <a:lumMod val="100000"/>
+                <a:shade val="100000"/>
+              </a:schemeClr>
+            </a:gs>
+            <a:gs pos="100000">
+              <a:schemeClr val="phClr">
+                <a:lumMod val="99000"/>
+                <a:satMod val="120000"/>
+                <a:shade val="78000"/>
+              </a:schemeClr>
+            </a:gs>
+          </a:gsLst>
+          <a:lin ang="5400000" scaled="0"/>
+        </a:gradFill>
+      </a:fillStyleLst>
+      <a:lnStyleLst>
+        <a:ln w="12700" cap="flat" cmpd="sng" algn="ctr">
+          <a:solidFill>
+            <a:schemeClr val="phClr"/>
+          </a:solidFill>
+          <a:prstDash val="solid"/>
+          <a:miter lim="800000"/>
+        </a:ln>
+        <a:ln w="19050" cap="flat" cmpd="sng" algn="ctr">
+          <a:solidFill>
+            <a:schemeClr val="phClr"/>
+          </a:solidFill>
+          <a:prstDash val="solid"/>
+          <a:miter lim="800000"/>
+        </a:ln>
+        <a:ln w="25400" cap="flat" cmpd="sng" algn="ctr">
+          <a:solidFill>
+            <a:schemeClr val="phClr"/>
+          </a:solidFill>
+          <a:prstDash val="solid"/>
+          <a:miter lim="800000"/>
+        </a:ln>
+      </a:lnStyleLst>
+      <a:effectStyleLst>
+        <a:effectStyle>
+          <a:effectLst/>
+        </a:effectStyle>
+        <a:effectStyle>
+          <a:effectLst/>
+        </a:effectStyle>
+        <a:effectStyle>
+          <a:effectLst>
+            <a:outerShdw blurRad="57150" dist="19050" dir="5400000" algn="ctr" rotWithShape="0">
+              <a:srgbClr val="000000">
+                <a:alpha val="63000"/>
+              </a:srgbClr>
+            </a:outerShdw>
+          </a:effectLst>
+        </a:effectStyle>
+      </a:effectStyleLst>
+      <a:bgFillStyleLst>
+        <a:solidFill>
+          <a:schemeClr val="phClr"/>
+        </a:solidFill>
+        <a:solidFill>
+          <a:schemeClr val="phClr">
+            <a:tint val="95000"/>
+            <a:satMod val="170000"/>
+          </a:schemeClr>
+        </a:solidFill>
+        <a:gradFill rotWithShape="1">
+          <a:gsLst>
+            <a:gs pos="0">
+              <a:schemeClr val="phClr">
+                <a:tint val="93000"/>
+                <a:satMod val="150000"/>
+                <a:shade val="98000"/>
+                <a:lumMod val="102000"/>
+              </a:schemeClr>
+            </a:gs>
+            <a:gs pos="50000">
+              <a:schemeClr val="phClr">
+                <a:tint val="98000"/>
+                <a:satMod val="130000"/>
+                <a:shade val="90000"/>
+                <a:lumMod val="103000"/>
+              </a:schemeClr>
+            </a:gs>
+            <a:gs pos="100000">
+              <a:schemeClr val="phClr">
+                <a:shade val="63000"/>
+                <a:satMod val="120000"/>
+              </a:schemeClr>
+            </a:gs>
+          </a:gsLst>
+          <a:lin ang="5400000" scaled="0"/>
+        </a:gradFill>
+      </a:bgFillStyleLst>
+    </a:fmtScheme>
+  </a:themeElements>
+  <a:objectDefaults>
+    <a:lnDef>
+      <a:spPr/>
+      <a:bodyPr/>
+      <a:lstStyle/>
+      <a:style>
+        <a:lnRef idx="2">
+          <a:schemeClr val="accent1"/>
+        </a:lnRef>
+        <a:fillRef idx="0">
+          <a:schemeClr val="accent1"/>
+        </a:fillRef>
+        <a:effectRef idx="1">
+          <a:schemeClr val="accent1"/>
+        </a:effectRef>
+        <a:fontRef idx="minor">
+          <a:schemeClr val="tx1"/>
+        </a:fontRef>
+      </a:style>
+    </a:lnDef>
+  </a:objectDefaults>
+  <a:extraClrSchemeLst/>
+  <a:extLst>
+    <a:ext uri="{05A4C25C-085E-4340-85A3-A5531E510DB2}">
+      <thm15:themeFamily xmlns:thm15="http://schemas.microsoft.com/office/thememl/2012/main" name="Office Theme" id="{2E142A2C-CD16-42D6-873A-C26D2A0506FA}" vid="{1BDDFF52-6CD6-40A5-AB3C-68EB2F1E4D0A}"/>
+    </a:ext>
+  </a:extLst>
+</a:theme>
 </file>